--- a/presentation.pptx
+++ b/presentation.pptx
@@ -253,7 +253,7 @@
           <a:p>
             <a:fld id="{FEBE87DB-C73B-4A67-8F6E-B81A08101EDD}" type="datetimeFigureOut">
               <a:rPr lang="en-US" smtClean="0"/>
-              <a:t>9/26/2019</a:t>
+              <a:t>9/27/2019</a:t>
             </a:fld>
             <a:endParaRPr lang="en-US"/>
           </a:p>
@@ -423,7 +423,7 @@
           <a:p>
             <a:fld id="{FEBE87DB-C73B-4A67-8F6E-B81A08101EDD}" type="datetimeFigureOut">
               <a:rPr lang="en-US" smtClean="0"/>
-              <a:t>9/26/2019</a:t>
+              <a:t>9/27/2019</a:t>
             </a:fld>
             <a:endParaRPr lang="en-US"/>
           </a:p>
@@ -603,7 +603,7 @@
           <a:p>
             <a:fld id="{FEBE87DB-C73B-4A67-8F6E-B81A08101EDD}" type="datetimeFigureOut">
               <a:rPr lang="en-US" smtClean="0"/>
-              <a:t>9/26/2019</a:t>
+              <a:t>9/27/2019</a:t>
             </a:fld>
             <a:endParaRPr lang="en-US"/>
           </a:p>
@@ -773,7 +773,7 @@
           <a:p>
             <a:fld id="{FEBE87DB-C73B-4A67-8F6E-B81A08101EDD}" type="datetimeFigureOut">
               <a:rPr lang="en-US" smtClean="0"/>
-              <a:t>9/26/2019</a:t>
+              <a:t>9/27/2019</a:t>
             </a:fld>
             <a:endParaRPr lang="en-US"/>
           </a:p>
@@ -1019,7 +1019,7 @@
           <a:p>
             <a:fld id="{FEBE87DB-C73B-4A67-8F6E-B81A08101EDD}" type="datetimeFigureOut">
               <a:rPr lang="en-US" smtClean="0"/>
-              <a:t>9/26/2019</a:t>
+              <a:t>9/27/2019</a:t>
             </a:fld>
             <a:endParaRPr lang="en-US"/>
           </a:p>
@@ -1251,7 +1251,7 @@
           <a:p>
             <a:fld id="{FEBE87DB-C73B-4A67-8F6E-B81A08101EDD}" type="datetimeFigureOut">
               <a:rPr lang="en-US" smtClean="0"/>
-              <a:t>9/26/2019</a:t>
+              <a:t>9/27/2019</a:t>
             </a:fld>
             <a:endParaRPr lang="en-US"/>
           </a:p>
@@ -1618,7 +1618,7 @@
           <a:p>
             <a:fld id="{FEBE87DB-C73B-4A67-8F6E-B81A08101EDD}" type="datetimeFigureOut">
               <a:rPr lang="en-US" smtClean="0"/>
-              <a:t>9/26/2019</a:t>
+              <a:t>9/27/2019</a:t>
             </a:fld>
             <a:endParaRPr lang="en-US"/>
           </a:p>
@@ -1736,7 +1736,7 @@
           <a:p>
             <a:fld id="{FEBE87DB-C73B-4A67-8F6E-B81A08101EDD}" type="datetimeFigureOut">
               <a:rPr lang="en-US" smtClean="0"/>
-              <a:t>9/26/2019</a:t>
+              <a:t>9/27/2019</a:t>
             </a:fld>
             <a:endParaRPr lang="en-US"/>
           </a:p>
@@ -1831,7 +1831,7 @@
           <a:p>
             <a:fld id="{FEBE87DB-C73B-4A67-8F6E-B81A08101EDD}" type="datetimeFigureOut">
               <a:rPr lang="en-US" smtClean="0"/>
-              <a:t>9/26/2019</a:t>
+              <a:t>9/27/2019</a:t>
             </a:fld>
             <a:endParaRPr lang="en-US"/>
           </a:p>
@@ -2108,7 +2108,7 @@
           <a:p>
             <a:fld id="{FEBE87DB-C73B-4A67-8F6E-B81A08101EDD}" type="datetimeFigureOut">
               <a:rPr lang="en-US" smtClean="0"/>
-              <a:t>9/26/2019</a:t>
+              <a:t>9/27/2019</a:t>
             </a:fld>
             <a:endParaRPr lang="en-US"/>
           </a:p>
@@ -2365,7 +2365,7 @@
           <a:p>
             <a:fld id="{FEBE87DB-C73B-4A67-8F6E-B81A08101EDD}" type="datetimeFigureOut">
               <a:rPr lang="en-US" smtClean="0"/>
-              <a:t>9/26/2019</a:t>
+              <a:t>9/27/2019</a:t>
             </a:fld>
             <a:endParaRPr lang="en-US"/>
           </a:p>
@@ -2578,7 +2578,7 @@
           <a:p>
             <a:fld id="{FEBE87DB-C73B-4A67-8F6E-B81A08101EDD}" type="datetimeFigureOut">
               <a:rPr lang="en-US" smtClean="0"/>
-              <a:t>9/26/2019</a:t>
+              <a:t>9/27/2019</a:t>
             </a:fld>
             <a:endParaRPr lang="en-US"/>
           </a:p>
@@ -3043,7 +3043,7 @@
                 </a:solidFill>
                 <a:latin typeface="Vaporized BB" panose="02000506000000020004" pitchFamily="2" charset="0"/>
               </a:rPr>
-              <a:t>Asthmapper</a:t>
+              <a:t>Asthmap</a:t>
             </a:r>
             <a:endParaRPr lang="en-US" sz="11000" dirty="0">
               <a:solidFill>
@@ -3490,6 +3490,40 @@
                 </a:effectLst>
               </a:rPr>
               <a:t>Aafa.org</a:t>
+            </a:r>
+          </a:p>
+        </p:txBody>
+      </p:sp>
+      <p:sp>
+        <p:nvSpPr>
+          <p:cNvPr id="3" name="Rectangle 2">
+            <a:extLst>
+              <a:ext uri="{FF2B5EF4-FFF2-40B4-BE49-F238E27FC236}">
+                <a16:creationId xmlns:a16="http://schemas.microsoft.com/office/drawing/2014/main" id="{3B91D94B-9927-4619-9AFE-D94E0CC7E769}"/>
+              </a:ext>
+            </a:extLst>
+          </p:cNvPr>
+          <p:cNvSpPr/>
+          <p:nvPr/>
+        </p:nvSpPr>
+        <p:spPr>
+          <a:xfrm>
+            <a:off x="3239641" y="3244334"/>
+            <a:ext cx="5712718" cy="369332"/>
+          </a:xfrm>
+          <a:prstGeom prst="rect">
+            <a:avLst/>
+          </a:prstGeom>
+        </p:spPr>
+        <p:txBody>
+          <a:bodyPr wrap="none">
+            <a:spAutoFit/>
+          </a:bodyPr>
+          <a:lstStyle/>
+          <a:p>
+            <a:r>
+              <a:rPr lang="en-US" dirty="0"/>
+              <a:t>https://oehha.ca.gov/calenviroscreen/calenviroscreen-faqs</a:t>
             </a:r>
           </a:p>
         </p:txBody>
@@ -3798,7 +3832,7 @@
         </p:nvGrpSpPr>
         <p:grpSpPr>
           <a:xfrm>
-            <a:off x="8548303" y="2883236"/>
+            <a:off x="8509114" y="2883236"/>
             <a:ext cx="2868458" cy="3739544"/>
             <a:chOff x="8210746" y="2943563"/>
             <a:chExt cx="2868458" cy="3739544"/>
@@ -3911,10 +3945,10 @@
         </p:nvGrpSpPr>
         <p:grpSpPr>
           <a:xfrm>
-            <a:off x="387958" y="3008955"/>
-            <a:ext cx="3342069" cy="3337495"/>
-            <a:chOff x="459199" y="3068613"/>
-            <a:chExt cx="3342069" cy="3337495"/>
+            <a:off x="261868" y="3008955"/>
+            <a:ext cx="3594249" cy="3336826"/>
+            <a:chOff x="333109" y="3068613"/>
+            <a:chExt cx="3594249" cy="3336826"/>
           </a:xfrm>
         </p:grpSpPr>
         <p:pic>
@@ -3966,8 +4000,8 @@
           </p:nvSpPr>
           <p:spPr>
             <a:xfrm>
-              <a:off x="459199" y="5759777"/>
-              <a:ext cx="3342069" cy="646331"/>
+              <a:off x="333109" y="5759108"/>
+              <a:ext cx="3594249" cy="646331"/>
             </a:xfrm>
             <a:prstGeom prst="rect">
               <a:avLst/>
@@ -3992,7 +4026,7 @@
                     </a:glow>
                   </a:effectLst>
                 </a:rPr>
-                <a:t>Main cause wildfires but traffic &amp; industrial factors also impactful </a:t>
+                <a:t>Primarily due to wildfires but traffic &amp; industrial factors also impactful </a:t>
               </a:r>
             </a:p>
           </p:txBody>
@@ -4012,7 +4046,7 @@
         </p:nvGrpSpPr>
         <p:grpSpPr>
           <a:xfrm>
-            <a:off x="4347891" y="2030589"/>
+            <a:off x="4360954" y="2030589"/>
             <a:ext cx="3582279" cy="3432151"/>
             <a:chOff x="4304860" y="1874520"/>
             <a:chExt cx="3582279" cy="3432151"/>
@@ -4227,7 +4261,7 @@
         <p:spPr>
           <a:xfrm>
             <a:off x="1198702" y="2690336"/>
-            <a:ext cx="3159815" cy="1200329"/>
+            <a:ext cx="3159815" cy="369332"/>
           </a:xfrm>
           <a:prstGeom prst="rect">
             <a:avLst/>
@@ -4255,6 +4289,36 @@
               <a:t>Risk factors for asthma:</a:t>
             </a:r>
           </a:p>
+        </p:txBody>
+      </p:sp>
+      <p:sp>
+        <p:nvSpPr>
+          <p:cNvPr id="4" name="TextBox 3">
+            <a:extLst>
+              <a:ext uri="{FF2B5EF4-FFF2-40B4-BE49-F238E27FC236}">
+                <a16:creationId xmlns:a16="http://schemas.microsoft.com/office/drawing/2014/main" id="{1176446F-DC07-4D98-954B-B1B2453C0B9E}"/>
+              </a:ext>
+            </a:extLst>
+          </p:cNvPr>
+          <p:cNvSpPr txBox="1"/>
+          <p:nvPr/>
+        </p:nvSpPr>
+        <p:spPr>
+          <a:xfrm>
+            <a:off x="4673670" y="2690336"/>
+            <a:ext cx="3159815" cy="369332"/>
+          </a:xfrm>
+          <a:prstGeom prst="rect">
+            <a:avLst/>
+          </a:prstGeom>
+          <a:noFill/>
+          <a:effectLst/>
+        </p:spPr>
+        <p:txBody>
+          <a:bodyPr wrap="square" rtlCol="0">
+            <a:spAutoFit/>
+          </a:bodyPr>
+          <a:lstStyle/>
           <a:p>
             <a:pPr algn="ctr"/>
             <a:r>
@@ -4267,73 +4331,8 @@
                   </a:glow>
                 </a:effectLst>
               </a:rPr>
-              <a:t>Poverty, Poor Air Quality, Pollen, Smoking Laws </a:t>
-            </a:r>
-          </a:p>
-          <a:p>
-            <a:endParaRPr lang="en-US" dirty="0">
-              <a:effectLst>
-                <a:glow rad="101600">
-                  <a:schemeClr val="bg1">
-                    <a:alpha val="40000"/>
-                  </a:schemeClr>
-                </a:glow>
-              </a:effectLst>
-            </a:endParaRPr>
-          </a:p>
-        </p:txBody>
-      </p:sp>
-      <p:sp>
-        <p:nvSpPr>
-          <p:cNvPr id="4" name="TextBox 3">
-            <a:extLst>
-              <a:ext uri="{FF2B5EF4-FFF2-40B4-BE49-F238E27FC236}">
-                <a16:creationId xmlns:a16="http://schemas.microsoft.com/office/drawing/2014/main" id="{1176446F-DC07-4D98-954B-B1B2453C0B9E}"/>
-              </a:ext>
-            </a:extLst>
-          </p:cNvPr>
-          <p:cNvSpPr txBox="1"/>
-          <p:nvPr/>
-        </p:nvSpPr>
-        <p:spPr>
-          <a:xfrm>
-            <a:off x="4673670" y="2690336"/>
-            <a:ext cx="3159815" cy="923330"/>
-          </a:xfrm>
-          <a:prstGeom prst="rect">
-            <a:avLst/>
-          </a:prstGeom>
-          <a:noFill/>
-          <a:effectLst/>
-        </p:spPr>
-        <p:txBody>
-          <a:bodyPr wrap="square" rtlCol="0">
-            <a:spAutoFit/>
-          </a:bodyPr>
-          <a:lstStyle/>
-          <a:p>
-            <a:pPr algn="ctr"/>
-            <a:r>
-              <a:rPr lang="en-US" b="1" dirty="0">
-                <a:effectLst>
-                  <a:glow rad="101600">
-                    <a:schemeClr val="bg1">
-                      <a:alpha val="40000"/>
-                    </a:schemeClr>
-                  </a:glow>
-                </a:effectLst>
-              </a:rPr>
-              <a:t>Analyze traffic density, air quality index, asthma rates, poverty</a:t>
-            </a:r>
-            <a:endParaRPr lang="en-US" dirty="0">
-              <a:effectLst>
-                <a:glow rad="101600">
-                  <a:schemeClr val="bg1">
-                    <a:alpha val="40000"/>
-                  </a:schemeClr>
-                </a:glow>
-              </a:effectLst>
-            </a:endParaRPr>
+              <a:t>Metrics to analyze:</a:t>
+            </a:r>
           </a:p>
         </p:txBody>
       </p:sp>
@@ -4351,7 +4350,7 @@
         </p:nvSpPr>
         <p:spPr>
           <a:xfrm>
-            <a:off x="8445322" y="2690336"/>
+            <a:off x="1513855" y="5001075"/>
             <a:ext cx="3159815" cy="1477328"/>
           </a:xfrm>
           <a:prstGeom prst="rect">
@@ -4407,7 +4406,7 @@
         </p:nvSpPr>
         <p:spPr>
           <a:xfrm>
-            <a:off x="4559122" y="4539410"/>
+            <a:off x="7293093" y="5520069"/>
             <a:ext cx="3159815" cy="923330"/>
           </a:xfrm>
           <a:prstGeom prst="rect">
@@ -4437,6 +4436,233 @@
             </a:r>
           </a:p>
           <a:p>
+            <a:endParaRPr lang="en-US" dirty="0">
+              <a:effectLst>
+                <a:glow rad="101600">
+                  <a:schemeClr val="bg1">
+                    <a:alpha val="40000"/>
+                  </a:schemeClr>
+                </a:glow>
+              </a:effectLst>
+            </a:endParaRPr>
+          </a:p>
+        </p:txBody>
+      </p:sp>
+      <p:sp>
+        <p:nvSpPr>
+          <p:cNvPr id="2" name="Rectangle 1">
+            <a:extLst>
+              <a:ext uri="{FF2B5EF4-FFF2-40B4-BE49-F238E27FC236}">
+                <a16:creationId xmlns:a16="http://schemas.microsoft.com/office/drawing/2014/main" id="{3F33D4DD-3B71-4219-9EB3-6E5F39B529A0}"/>
+              </a:ext>
+            </a:extLst>
+          </p:cNvPr>
+          <p:cNvSpPr/>
+          <p:nvPr/>
+        </p:nvSpPr>
+        <p:spPr>
+          <a:xfrm>
+            <a:off x="1777629" y="3212570"/>
+            <a:ext cx="2001959" cy="1200329"/>
+          </a:xfrm>
+          <a:prstGeom prst="rect">
+            <a:avLst/>
+          </a:prstGeom>
+        </p:spPr>
+        <p:txBody>
+          <a:bodyPr wrap="none">
+            <a:spAutoFit/>
+          </a:bodyPr>
+          <a:lstStyle/>
+          <a:p>
+            <a:pPr marL="285750" indent="-285750">
+              <a:buFont typeface="Arial" panose="020B0604020202020204" pitchFamily="34" charset="0"/>
+              <a:buChar char="•"/>
+            </a:pPr>
+            <a:r>
+              <a:rPr lang="en-US" b="1" dirty="0">
+                <a:effectLst>
+                  <a:glow rad="101600">
+                    <a:schemeClr val="bg1">
+                      <a:alpha val="40000"/>
+                    </a:schemeClr>
+                  </a:glow>
+                </a:effectLst>
+              </a:rPr>
+              <a:t>Poverty</a:t>
+            </a:r>
+          </a:p>
+          <a:p>
+            <a:pPr marL="285750" indent="-285750">
+              <a:buFont typeface="Arial" panose="020B0604020202020204" pitchFamily="34" charset="0"/>
+              <a:buChar char="•"/>
+            </a:pPr>
+            <a:r>
+              <a:rPr lang="en-US" b="1" dirty="0">
+                <a:effectLst>
+                  <a:glow rad="101600">
+                    <a:schemeClr val="bg1">
+                      <a:alpha val="40000"/>
+                    </a:schemeClr>
+                  </a:glow>
+                </a:effectLst>
+              </a:rPr>
+              <a:t>Poor Air Quality</a:t>
+            </a:r>
+          </a:p>
+          <a:p>
+            <a:pPr marL="285750" indent="-285750">
+              <a:buFont typeface="Arial" panose="020B0604020202020204" pitchFamily="34" charset="0"/>
+              <a:buChar char="•"/>
+            </a:pPr>
+            <a:r>
+              <a:rPr lang="en-US" b="1" dirty="0">
+                <a:effectLst>
+                  <a:glow rad="101600">
+                    <a:schemeClr val="bg1">
+                      <a:alpha val="40000"/>
+                    </a:schemeClr>
+                  </a:glow>
+                </a:effectLst>
+              </a:rPr>
+              <a:t>Pollen</a:t>
+            </a:r>
+          </a:p>
+          <a:p>
+            <a:pPr marL="285750" indent="-285750">
+              <a:buFont typeface="Arial" panose="020B0604020202020204" pitchFamily="34" charset="0"/>
+              <a:buChar char="•"/>
+            </a:pPr>
+            <a:r>
+              <a:rPr lang="en-US" b="1" dirty="0">
+                <a:effectLst>
+                  <a:glow rad="101600">
+                    <a:schemeClr val="bg1">
+                      <a:alpha val="40000"/>
+                    </a:schemeClr>
+                  </a:glow>
+                </a:effectLst>
+              </a:rPr>
+              <a:t>Smoking Laws </a:t>
+            </a:r>
+          </a:p>
+        </p:txBody>
+      </p:sp>
+      <p:sp>
+        <p:nvSpPr>
+          <p:cNvPr id="8" name="Rectangle 7">
+            <a:extLst>
+              <a:ext uri="{FF2B5EF4-FFF2-40B4-BE49-F238E27FC236}">
+                <a16:creationId xmlns:a16="http://schemas.microsoft.com/office/drawing/2014/main" id="{3D2A8619-7EEE-4A64-8B9B-FBF528CAC5D6}"/>
+              </a:ext>
+            </a:extLst>
+          </p:cNvPr>
+          <p:cNvSpPr/>
+          <p:nvPr/>
+        </p:nvSpPr>
+        <p:spPr>
+          <a:xfrm>
+            <a:off x="5214062" y="3059668"/>
+            <a:ext cx="2079031" cy="1477328"/>
+          </a:xfrm>
+          <a:prstGeom prst="rect">
+            <a:avLst/>
+          </a:prstGeom>
+        </p:spPr>
+        <p:txBody>
+          <a:bodyPr wrap="none">
+            <a:spAutoFit/>
+          </a:bodyPr>
+          <a:lstStyle/>
+          <a:p>
+            <a:pPr marL="285750" indent="-285750">
+              <a:buFont typeface="Arial" panose="020B0604020202020204" pitchFamily="34" charset="0"/>
+              <a:buChar char="•"/>
+            </a:pPr>
+            <a:r>
+              <a:rPr lang="en-US" b="1" dirty="0">
+                <a:effectLst>
+                  <a:glow rad="101600">
+                    <a:schemeClr val="bg1">
+                      <a:alpha val="40000"/>
+                    </a:schemeClr>
+                  </a:glow>
+                </a:effectLst>
+              </a:rPr>
+              <a:t>Asthma Rates</a:t>
+            </a:r>
+          </a:p>
+          <a:p>
+            <a:pPr marL="285750" indent="-285750">
+              <a:buFont typeface="Arial" panose="020B0604020202020204" pitchFamily="34" charset="0"/>
+              <a:buChar char="•"/>
+            </a:pPr>
+            <a:r>
+              <a:rPr lang="en-US" b="1" dirty="0">
+                <a:effectLst>
+                  <a:glow rad="101600">
+                    <a:schemeClr val="bg1">
+                      <a:alpha val="40000"/>
+                    </a:schemeClr>
+                  </a:glow>
+                </a:effectLst>
+              </a:rPr>
+              <a:t>Traffic Density</a:t>
+            </a:r>
+          </a:p>
+          <a:p>
+            <a:pPr marL="285750" indent="-285750">
+              <a:buFont typeface="Arial" panose="020B0604020202020204" pitchFamily="34" charset="0"/>
+              <a:buChar char="•"/>
+            </a:pPr>
+            <a:r>
+              <a:rPr lang="en-US" b="1" dirty="0">
+                <a:effectLst>
+                  <a:glow rad="101600">
+                    <a:schemeClr val="bg1">
+                      <a:alpha val="40000"/>
+                    </a:schemeClr>
+                  </a:glow>
+                </a:effectLst>
+              </a:rPr>
+              <a:t>Air Quality Index</a:t>
+            </a:r>
+          </a:p>
+          <a:p>
+            <a:pPr marL="285750" indent="-285750">
+              <a:buFont typeface="Arial" panose="020B0604020202020204" pitchFamily="34" charset="0"/>
+              <a:buChar char="•"/>
+            </a:pPr>
+            <a:r>
+              <a:rPr lang="en-US" b="1" dirty="0">
+                <a:effectLst>
+                  <a:glow rad="101600">
+                    <a:schemeClr val="bg1">
+                      <a:alpha val="40000"/>
+                    </a:schemeClr>
+                  </a:glow>
+                </a:effectLst>
+              </a:rPr>
+              <a:t>Poverty</a:t>
+            </a:r>
+          </a:p>
+          <a:p>
+            <a:pPr marL="285750" indent="-285750">
+              <a:buFont typeface="Arial" panose="020B0604020202020204" pitchFamily="34" charset="0"/>
+              <a:buChar char="•"/>
+            </a:pPr>
+            <a:r>
+              <a:rPr lang="en-US" b="1" dirty="0">
+                <a:effectLst>
+                  <a:glow rad="101600">
+                    <a:schemeClr val="bg1">
+                      <a:alpha val="40000"/>
+                    </a:schemeClr>
+                  </a:glow>
+                </a:effectLst>
+              </a:rPr>
+              <a:t>Cost of Living </a:t>
+            </a:r>
             <a:endParaRPr lang="en-US" dirty="0">
               <a:effectLst>
                 <a:glow rad="101600">
@@ -4747,6 +4973,51 @@
           </a:p>
         </p:txBody>
       </p:sp>
+      <p:sp>
+        <p:nvSpPr>
+          <p:cNvPr id="5" name="TextBox 4">
+            <a:extLst>
+              <a:ext uri="{FF2B5EF4-FFF2-40B4-BE49-F238E27FC236}">
+                <a16:creationId xmlns:a16="http://schemas.microsoft.com/office/drawing/2014/main" id="{484CB5E0-FF5A-4419-95C0-C28CC5BAB3F3}"/>
+              </a:ext>
+            </a:extLst>
+          </p:cNvPr>
+          <p:cNvSpPr txBox="1"/>
+          <p:nvPr/>
+        </p:nvSpPr>
+        <p:spPr>
+          <a:xfrm>
+            <a:off x="5647843" y="5904361"/>
+            <a:ext cx="3159815" cy="369332"/>
+          </a:xfrm>
+          <a:prstGeom prst="rect">
+            <a:avLst/>
+          </a:prstGeom>
+          <a:noFill/>
+          <a:effectLst/>
+        </p:spPr>
+        <p:txBody>
+          <a:bodyPr wrap="square" rtlCol="0">
+            <a:spAutoFit/>
+          </a:bodyPr>
+          <a:lstStyle/>
+          <a:p>
+            <a:pPr algn="ctr"/>
+            <a:r>
+              <a:rPr lang="en-US" b="1" dirty="0">
+                <a:effectLst>
+                  <a:glow rad="101600">
+                    <a:schemeClr val="bg1">
+                      <a:alpha val="40000"/>
+                    </a:schemeClr>
+                  </a:glow>
+                </a:effectLst>
+              </a:rPr>
+              <a:t>Almost 8k census tracts</a:t>
+            </a:r>
+          </a:p>
+        </p:txBody>
+      </p:sp>
     </p:spTree>
     <p:extLst>
       <p:ext uri="{BB962C8B-B14F-4D97-AF65-F5344CB8AC3E}">
@@ -4936,7 +5207,31 @@
                   </a:glow>
                 </a:effectLst>
               </a:rPr>
-              <a:t>, merged on census tract, chain data into leaflet and d3</a:t>
+              <a:t>, merged on census tract, convert to </a:t>
+            </a:r>
+            <a:r>
+              <a:rPr lang="en-US" b="1" dirty="0" err="1">
+                <a:effectLst>
+                  <a:glow rad="101600">
+                    <a:schemeClr val="bg1">
+                      <a:alpha val="40000"/>
+                    </a:schemeClr>
+                  </a:glow>
+                </a:effectLst>
+              </a:rPr>
+              <a:t>geojson</a:t>
+            </a:r>
+            <a:r>
+              <a:rPr lang="en-US" b="1" dirty="0">
+                <a:effectLst>
+                  <a:glow rad="101600">
+                    <a:schemeClr val="bg1">
+                      <a:alpha val="40000"/>
+                    </a:schemeClr>
+                  </a:glow>
+                </a:effectLst>
+              </a:rPr>
+              <a:t>, chain data into leaflet and d3</a:t>
             </a:r>
           </a:p>
           <a:p>
@@ -5053,6 +5348,84 @@
           </a:p>
         </p:txBody>
       </p:sp>
+      <p:sp>
+        <p:nvSpPr>
+          <p:cNvPr id="3" name="TextBox 2">
+            <a:extLst>
+              <a:ext uri="{FF2B5EF4-FFF2-40B4-BE49-F238E27FC236}">
+                <a16:creationId xmlns:a16="http://schemas.microsoft.com/office/drawing/2014/main" id="{B280A9A1-8E71-4FAC-9A4B-39A587475359}"/>
+              </a:ext>
+            </a:extLst>
+          </p:cNvPr>
+          <p:cNvSpPr txBox="1"/>
+          <p:nvPr/>
+        </p:nvSpPr>
+        <p:spPr>
+          <a:xfrm>
+            <a:off x="4275005" y="2314192"/>
+            <a:ext cx="3159815" cy="369332"/>
+          </a:xfrm>
+          <a:prstGeom prst="rect">
+            <a:avLst/>
+          </a:prstGeom>
+          <a:noFill/>
+          <a:effectLst/>
+        </p:spPr>
+        <p:txBody>
+          <a:bodyPr wrap="square" rtlCol="0">
+            <a:spAutoFit/>
+          </a:bodyPr>
+          <a:lstStyle/>
+          <a:p>
+            <a:pPr algn="ctr"/>
+            <a:r>
+              <a:rPr lang="en-US" b="1" dirty="0">
+                <a:effectLst>
+                  <a:glow rad="101600">
+                    <a:schemeClr val="bg1">
+                      <a:alpha val="40000"/>
+                    </a:schemeClr>
+                  </a:glow>
+                </a:effectLst>
+              </a:rPr>
+              <a:t>&lt;insert </a:t>
+            </a:r>
+            <a:r>
+              <a:rPr lang="en-US" b="1" dirty="0" err="1">
+                <a:effectLst>
+                  <a:glow rad="101600">
+                    <a:schemeClr val="bg1">
+                      <a:alpha val="40000"/>
+                    </a:schemeClr>
+                  </a:glow>
+                </a:effectLst>
+              </a:rPr>
+              <a:t>url</a:t>
+            </a:r>
+            <a:r>
+              <a:rPr lang="en-US" b="1" dirty="0">
+                <a:effectLst>
+                  <a:glow rad="101600">
+                    <a:schemeClr val="bg1">
+                      <a:alpha val="40000"/>
+                    </a:schemeClr>
+                  </a:glow>
+                </a:effectLst>
+              </a:rPr>
+              <a:t>&gt;</a:t>
+            </a:r>
+            <a:endParaRPr lang="en-US" dirty="0">
+              <a:effectLst>
+                <a:glow rad="101600">
+                  <a:schemeClr val="bg1">
+                    <a:alpha val="40000"/>
+                  </a:schemeClr>
+                </a:glow>
+              </a:effectLst>
+            </a:endParaRPr>
+          </a:p>
+        </p:txBody>
+      </p:sp>
     </p:spTree>
     <p:extLst>
       <p:ext uri="{BB962C8B-B14F-4D97-AF65-F5344CB8AC3E}">
@@ -5154,6 +5527,60 @@
           </a:p>
         </p:txBody>
       </p:sp>
+      <p:sp>
+        <p:nvSpPr>
+          <p:cNvPr id="4" name="TextBox 3">
+            <a:extLst>
+              <a:ext uri="{FF2B5EF4-FFF2-40B4-BE49-F238E27FC236}">
+                <a16:creationId xmlns:a16="http://schemas.microsoft.com/office/drawing/2014/main" id="{6BC38377-A66B-4E88-BA83-01038B7FD0D8}"/>
+              </a:ext>
+            </a:extLst>
+          </p:cNvPr>
+          <p:cNvSpPr txBox="1"/>
+          <p:nvPr/>
+        </p:nvSpPr>
+        <p:spPr>
+          <a:xfrm>
+            <a:off x="6913702" y="2967335"/>
+            <a:ext cx="3159815" cy="369332"/>
+          </a:xfrm>
+          <a:prstGeom prst="rect">
+            <a:avLst/>
+          </a:prstGeom>
+          <a:noFill/>
+          <a:effectLst/>
+        </p:spPr>
+        <p:txBody>
+          <a:bodyPr wrap="square" rtlCol="0">
+            <a:spAutoFit/>
+          </a:bodyPr>
+          <a:lstStyle/>
+          <a:p>
+            <a:pPr algn="ctr"/>
+            <a:r>
+              <a:rPr lang="en-US" b="1" dirty="0">
+                <a:effectLst>
+                  <a:glow rad="101600">
+                    <a:schemeClr val="bg1">
+                      <a:alpha val="40000"/>
+                    </a:schemeClr>
+                  </a:glow>
+                </a:effectLst>
+              </a:rPr>
+              <a:t>What we learned…</a:t>
+            </a:r>
+            <a:endParaRPr lang="en-US" dirty="0">
+              <a:effectLst>
+                <a:glow rad="101600">
+                  <a:schemeClr val="bg1">
+                    <a:alpha val="40000"/>
+                  </a:schemeClr>
+                </a:glow>
+              </a:effectLst>
+            </a:endParaRPr>
+          </a:p>
+        </p:txBody>
+      </p:sp>
     </p:spTree>
     <p:extLst>
       <p:ext uri="{BB962C8B-B14F-4D97-AF65-F5344CB8AC3E}">
@@ -5251,6 +5678,105 @@
                 <a:latin typeface="Vaporized BB" panose="02000506000000020004" pitchFamily="2" charset="0"/>
               </a:rPr>
               <a:t>Further study</a:t>
+            </a:r>
+          </a:p>
+        </p:txBody>
+      </p:sp>
+      <p:sp>
+        <p:nvSpPr>
+          <p:cNvPr id="3" name="TextBox 2">
+            <a:extLst>
+              <a:ext uri="{FF2B5EF4-FFF2-40B4-BE49-F238E27FC236}">
+                <a16:creationId xmlns:a16="http://schemas.microsoft.com/office/drawing/2014/main" id="{326D454A-CDF7-43BE-BDB0-BED66BFAF2B1}"/>
+              </a:ext>
+            </a:extLst>
+          </p:cNvPr>
+          <p:cNvSpPr txBox="1"/>
+          <p:nvPr/>
+        </p:nvSpPr>
+        <p:spPr>
+          <a:xfrm>
+            <a:off x="6913702" y="2967335"/>
+            <a:ext cx="3159815" cy="2585323"/>
+          </a:xfrm>
+          <a:prstGeom prst="rect">
+            <a:avLst/>
+          </a:prstGeom>
+          <a:noFill/>
+          <a:effectLst/>
+        </p:spPr>
+        <p:txBody>
+          <a:bodyPr wrap="square" rtlCol="0">
+            <a:spAutoFit/>
+          </a:bodyPr>
+          <a:lstStyle/>
+          <a:p>
+            <a:pPr algn="ctr"/>
+            <a:r>
+              <a:rPr lang="en-US" b="1" dirty="0">
+                <a:effectLst>
+                  <a:glow rad="101600">
+                    <a:schemeClr val="bg1">
+                      <a:alpha val="40000"/>
+                    </a:schemeClr>
+                  </a:glow>
+                </a:effectLst>
+              </a:rPr>
+              <a:t>US cities not listed among 500 most polluted cities worldwide</a:t>
+            </a:r>
+          </a:p>
+          <a:p>
+            <a:pPr algn="ctr"/>
+            <a:endParaRPr lang="en-US" b="1" dirty="0">
+              <a:effectLst>
+                <a:glow rad="101600">
+                  <a:schemeClr val="bg1">
+                    <a:alpha val="40000"/>
+                  </a:schemeClr>
+                </a:glow>
+              </a:effectLst>
+            </a:endParaRPr>
+          </a:p>
+          <a:p>
+            <a:pPr algn="ctr"/>
+            <a:r>
+              <a:rPr lang="en-US" b="1" dirty="0">
+                <a:effectLst>
+                  <a:glow rad="101600">
+                    <a:schemeClr val="bg1">
+                      <a:alpha val="40000"/>
+                    </a:schemeClr>
+                  </a:glow>
+                </a:effectLst>
+              </a:rPr>
+              <a:t>Look into asthma data for those cities</a:t>
+            </a:r>
+          </a:p>
+          <a:p>
+            <a:pPr algn="ctr"/>
+            <a:endParaRPr lang="en-US" b="1" dirty="0">
+              <a:effectLst>
+                <a:glow rad="101600">
+                  <a:schemeClr val="bg1">
+                    <a:alpha val="40000"/>
+                  </a:schemeClr>
+                </a:glow>
+              </a:effectLst>
+            </a:endParaRPr>
+          </a:p>
+          <a:p>
+            <a:pPr algn="ctr"/>
+            <a:r>
+              <a:rPr lang="en-US" b="1" dirty="0">
+                <a:effectLst>
+                  <a:glow rad="101600">
+                    <a:schemeClr val="bg1">
+                      <a:alpha val="40000"/>
+                    </a:schemeClr>
+                  </a:glow>
+                </a:effectLst>
+              </a:rPr>
+              <a:t>Explore trends over time using datasets from different timeframes</a:t>
             </a:r>
           </a:p>
         </p:txBody>

--- a/presentation.pptx
+++ b/presentation.pptx
@@ -3406,7 +3406,7 @@
         </p:nvSpPr>
         <p:spPr>
           <a:xfrm>
-            <a:off x="643338" y="2452427"/>
+            <a:off x="2936184" y="2792061"/>
             <a:ext cx="3159815" cy="2585323"/>
           </a:xfrm>
           <a:prstGeom prst="rect">
@@ -3525,6 +3525,65 @@
               <a:rPr lang="en-US" dirty="0"/>
               <a:t>https://oehha.ca.gov/calenviroscreen/calenviroscreen-faqs</a:t>
             </a:r>
+          </a:p>
+        </p:txBody>
+      </p:sp>
+      <p:sp>
+        <p:nvSpPr>
+          <p:cNvPr id="5" name="Rectangle 4">
+            <a:extLst>
+              <a:ext uri="{FF2B5EF4-FFF2-40B4-BE49-F238E27FC236}">
+                <a16:creationId xmlns:a16="http://schemas.microsoft.com/office/drawing/2014/main" id="{006B7642-51B0-48DB-8395-879330CC2E5E}"/>
+              </a:ext>
+            </a:extLst>
+          </p:cNvPr>
+          <p:cNvSpPr/>
+          <p:nvPr/>
+        </p:nvSpPr>
+        <p:spPr>
+          <a:xfrm>
+            <a:off x="4733108" y="1919593"/>
+            <a:ext cx="6096000" cy="646331"/>
+          </a:xfrm>
+          <a:prstGeom prst="rect">
+            <a:avLst/>
+          </a:prstGeom>
+        </p:spPr>
+        <p:txBody>
+          <a:bodyPr>
+            <a:spAutoFit/>
+          </a:bodyPr>
+          <a:lstStyle/>
+          <a:p>
+            <a:pPr algn="ctr"/>
+            <a:r>
+              <a:rPr lang="en-US" b="1" dirty="0">
+                <a:effectLst>
+                  <a:glow rad="101600">
+                    <a:schemeClr val="bg1">
+                      <a:alpha val="40000"/>
+                    </a:schemeClr>
+                  </a:glow>
+                </a:effectLst>
+                <a:hlinkClick r:id="rId4">
+                  <a:extLst>
+                    <a:ext uri="{A12FA001-AC4F-418D-AE19-62706E023703}">
+                      <ahyp:hlinkClr xmlns:ahyp="http://schemas.microsoft.com/office/drawing/2018/hyperlinkcolor" val="tx"/>
+                    </a:ext>
+                  </a:extLst>
+                </a:hlinkClick>
+              </a:rPr>
+              <a:t>https://data.ca.gov/dataset/calenviroscreen-3-0-results/resource/89b3f4e9-0bf8-4690-8c6f-715a717f3fae</a:t>
+            </a:r>
+            <a:endParaRPr lang="en-US" b="1" dirty="0">
+              <a:effectLst>
+                <a:glow rad="101600">
+                  <a:schemeClr val="bg1">
+                    <a:alpha val="40000"/>
+                  </a:schemeClr>
+                </a:glow>
+              </a:effectLst>
+            </a:endParaRPr>
           </a:p>
         </p:txBody>
       </p:sp>
@@ -4563,7 +4622,7 @@
         <p:spPr>
           <a:xfrm>
             <a:off x="5214062" y="3059668"/>
-            <a:ext cx="2079031" cy="1477328"/>
+            <a:ext cx="2914324" cy="1477328"/>
           </a:xfrm>
           <a:prstGeom prst="rect">
             <a:avLst/>
@@ -4643,7 +4702,7 @@
                   </a:glow>
                 </a:effectLst>
               </a:rPr>
-              <a:t>Poverty</a:t>
+              <a:t>Poverty Rates</a:t>
             </a:r>
           </a:p>
           <a:p>
@@ -4661,7 +4720,7 @@
                   </a:glow>
                 </a:effectLst>
               </a:rPr>
-              <a:t>Cost of Living </a:t>
+              <a:t>Household Demographics</a:t>
             </a:r>
             <a:endParaRPr lang="en-US" dirty="0">
               <a:effectLst>
@@ -4790,8 +4849,8 @@
         </p:nvSpPr>
         <p:spPr>
           <a:xfrm>
-            <a:off x="2318842" y="2847770"/>
-            <a:ext cx="3159815" cy="2862322"/>
+            <a:off x="1319350" y="2438848"/>
+            <a:ext cx="3466976" cy="2308324"/>
           </a:xfrm>
           <a:prstGeom prst="rect">
             <a:avLst/>
@@ -4828,8 +4887,20 @@
                   </a:glow>
                 </a:effectLst>
               </a:rPr>
-              <a:t> v3.0 dataset</a:t>
-            </a:r>
+              <a:t> (CES) Dataset v3.0</a:t>
+            </a:r>
+          </a:p>
+          <a:p>
+            <a:pPr algn="ctr"/>
+            <a:endParaRPr lang="en-US" b="1" dirty="0">
+              <a:effectLst>
+                <a:glow rad="101600">
+                  <a:schemeClr val="bg1">
+                    <a:alpha val="40000"/>
+                  </a:schemeClr>
+                </a:glow>
+              </a:effectLst>
+            </a:endParaRPr>
           </a:p>
           <a:p>
             <a:pPr algn="ctr"/>
@@ -4843,8 +4914,20 @@
                   </a:glow>
                 </a:effectLst>
               </a:rPr>
-              <a:t>Released 2017 and updated 2018</a:t>
-            </a:r>
+              <a:t>Values for poverty, traffic, pollution, asthma </a:t>
+            </a:r>
+          </a:p>
+          <a:p>
+            <a:pPr algn="ctr"/>
+            <a:endParaRPr lang="en-US" b="1" dirty="0">
+              <a:effectLst>
+                <a:glow rad="101600">
+                  <a:schemeClr val="bg1">
+                    <a:alpha val="40000"/>
+                  </a:schemeClr>
+                </a:glow>
+              </a:effectLst>
+            </a:endParaRPr>
           </a:p>
           <a:p>
             <a:pPr algn="ctr"/>
@@ -4858,9 +4941,50 @@
                   </a:glow>
                 </a:effectLst>
               </a:rPr>
-              <a:t>Various metrics calculated using datasets ranging from 2010-2014</a:t>
-            </a:r>
-          </a:p>
+              <a:t>Compiled by census tract using data from 2010-2014</a:t>
+            </a:r>
+          </a:p>
+          <a:p>
+            <a:endParaRPr lang="en-US" dirty="0">
+              <a:effectLst>
+                <a:glow rad="101600">
+                  <a:schemeClr val="bg1">
+                    <a:alpha val="40000"/>
+                  </a:schemeClr>
+                </a:glow>
+              </a:effectLst>
+            </a:endParaRPr>
+          </a:p>
+        </p:txBody>
+      </p:sp>
+      <p:sp>
+        <p:nvSpPr>
+          <p:cNvPr id="4" name="TextBox 3">
+            <a:extLst>
+              <a:ext uri="{FF2B5EF4-FFF2-40B4-BE49-F238E27FC236}">
+                <a16:creationId xmlns:a16="http://schemas.microsoft.com/office/drawing/2014/main" id="{455FA6F5-390C-4571-ABED-265D28FAB363}"/>
+              </a:ext>
+            </a:extLst>
+          </p:cNvPr>
+          <p:cNvSpPr txBox="1"/>
+          <p:nvPr/>
+        </p:nvSpPr>
+        <p:spPr>
+          <a:xfrm>
+            <a:off x="6992079" y="2343556"/>
+            <a:ext cx="4189727" cy="2862322"/>
+          </a:xfrm>
+          <a:prstGeom prst="rect">
+            <a:avLst/>
+          </a:prstGeom>
+          <a:noFill/>
+          <a:effectLst/>
+        </p:spPr>
+        <p:txBody>
+          <a:bodyPr wrap="square" rtlCol="0">
+            <a:spAutoFit/>
+          </a:bodyPr>
+          <a:lstStyle/>
           <a:p>
             <a:pPr algn="ctr"/>
             <a:r>
@@ -4873,10 +4997,62 @@
                   </a:glow>
                 </a:effectLst>
               </a:rPr>
-              <a:t>Already compiles poverty, traffic, pollution, asthma rates by census tract</a:t>
-            </a:r>
-          </a:p>
-          <a:p>
+              <a:t>Location Affordability Index Dataset  (LAID) v3.0</a:t>
+            </a:r>
+          </a:p>
+          <a:p>
+            <a:pPr algn="ctr"/>
+            <a:endParaRPr lang="en-US" b="1" dirty="0">
+              <a:effectLst>
+                <a:glow rad="101600">
+                  <a:schemeClr val="bg1">
+                    <a:alpha val="40000"/>
+                  </a:schemeClr>
+                </a:glow>
+              </a:effectLst>
+            </a:endParaRPr>
+          </a:p>
+          <a:p>
+            <a:pPr algn="ctr"/>
+            <a:r>
+              <a:rPr lang="en-US" b="1" dirty="0">
+                <a:effectLst>
+                  <a:glow rad="101600">
+                    <a:schemeClr val="bg1">
+                      <a:alpha val="40000"/>
+                    </a:schemeClr>
+                  </a:glow>
+                </a:effectLst>
+              </a:rPr>
+              <a:t>Various statistics on living costs &amp; household characteristics by census tract 2016-2018</a:t>
+            </a:r>
+          </a:p>
+          <a:p>
+            <a:pPr algn="ctr"/>
+            <a:endParaRPr lang="en-US" b="1" dirty="0">
+              <a:effectLst>
+                <a:glow rad="101600">
+                  <a:schemeClr val="bg1">
+                    <a:alpha val="40000"/>
+                  </a:schemeClr>
+                </a:glow>
+              </a:effectLst>
+            </a:endParaRPr>
+          </a:p>
+          <a:p>
+            <a:pPr algn="ctr"/>
+            <a:r>
+              <a:rPr lang="en-US" b="1" dirty="0">
+                <a:effectLst>
+                  <a:glow rad="101600">
+                    <a:schemeClr val="bg1">
+                      <a:alpha val="40000"/>
+                    </a:schemeClr>
+                  </a:glow>
+                </a:effectLst>
+              </a:rPr>
+              <a:t>Average rent, automobiles owned, number houses, household density, median income, etc.</a:t>
+            </a:r>
             <a:endParaRPr lang="en-US" dirty="0">
               <a:effectLst>
                 <a:glow rad="101600">
@@ -4891,90 +5067,6 @@
       </p:sp>
       <p:sp>
         <p:nvSpPr>
-          <p:cNvPr id="4" name="TextBox 3">
-            <a:extLst>
-              <a:ext uri="{FF2B5EF4-FFF2-40B4-BE49-F238E27FC236}">
-                <a16:creationId xmlns:a16="http://schemas.microsoft.com/office/drawing/2014/main" id="{455FA6F5-390C-4571-ABED-265D28FAB363}"/>
-              </a:ext>
-            </a:extLst>
-          </p:cNvPr>
-          <p:cNvSpPr txBox="1"/>
-          <p:nvPr/>
-        </p:nvSpPr>
-        <p:spPr>
-          <a:xfrm>
-            <a:off x="6913702" y="2967335"/>
-            <a:ext cx="3159815" cy="2031325"/>
-          </a:xfrm>
-          <a:prstGeom prst="rect">
-            <a:avLst/>
-          </a:prstGeom>
-          <a:noFill/>
-          <a:effectLst/>
-        </p:spPr>
-        <p:txBody>
-          <a:bodyPr wrap="square" rtlCol="0">
-            <a:spAutoFit/>
-          </a:bodyPr>
-          <a:lstStyle/>
-          <a:p>
-            <a:pPr algn="ctr"/>
-            <a:r>
-              <a:rPr lang="en-US" b="1" dirty="0">
-                <a:effectLst>
-                  <a:glow rad="101600">
-                    <a:schemeClr val="bg1">
-                      <a:alpha val="40000"/>
-                    </a:schemeClr>
-                  </a:glow>
-                </a:effectLst>
-              </a:rPr>
-              <a:t>For each census tract:</a:t>
-            </a:r>
-          </a:p>
-          <a:p>
-            <a:pPr algn="ctr"/>
-            <a:r>
-              <a:rPr lang="en-US" b="1" dirty="0">
-                <a:effectLst>
-                  <a:glow rad="101600">
-                    <a:schemeClr val="bg1">
-                      <a:alpha val="40000"/>
-                    </a:schemeClr>
-                  </a:glow>
-                </a:effectLst>
-              </a:rPr>
-              <a:t>Find out various statistics on living cost</a:t>
-            </a:r>
-          </a:p>
-          <a:p>
-            <a:pPr algn="ctr"/>
-            <a:r>
-              <a:rPr lang="en-US" b="1" dirty="0">
-                <a:effectLst>
-                  <a:glow rad="101600">
-                    <a:schemeClr val="bg1">
-                      <a:alpha val="40000"/>
-                    </a:schemeClr>
-                  </a:glow>
-                </a:effectLst>
-              </a:rPr>
-              <a:t>Households renting, automobiles owned, number houses, avg rent, household density, median income</a:t>
-            </a:r>
-            <a:endParaRPr lang="en-US" dirty="0">
-              <a:effectLst>
-                <a:glow rad="101600">
-                  <a:schemeClr val="bg1">
-                    <a:alpha val="40000"/>
-                  </a:schemeClr>
-                </a:glow>
-              </a:effectLst>
-            </a:endParaRPr>
-          </a:p>
-        </p:txBody>
-      </p:sp>
-      <p:sp>
-        <p:nvSpPr>
           <p:cNvPr id="5" name="TextBox 4">
             <a:extLst>
               <a:ext uri="{FF2B5EF4-FFF2-40B4-BE49-F238E27FC236}">
@@ -4987,7 +5079,7 @@
         </p:nvSpPr>
         <p:spPr>
           <a:xfrm>
-            <a:off x="5647843" y="5904361"/>
+            <a:off x="4054175" y="5159778"/>
             <a:ext cx="3159815" cy="369332"/>
           </a:xfrm>
           <a:prstGeom prst="rect">
@@ -5159,31 +5251,7 @@
                   </a:glow>
                 </a:effectLst>
               </a:rPr>
-              <a:t>Saved csv of </a:t>
-            </a:r>
-            <a:r>
-              <a:rPr lang="en-US" b="1" dirty="0" err="1">
-                <a:effectLst>
-                  <a:glow rad="101600">
-                    <a:schemeClr val="bg1">
-                      <a:alpha val="40000"/>
-                    </a:schemeClr>
-                  </a:glow>
-                </a:effectLst>
-              </a:rPr>
-              <a:t>ces</a:t>
-            </a:r>
-            <a:r>
-              <a:rPr lang="en-US" b="1" dirty="0">
-                <a:effectLst>
-                  <a:glow rad="101600">
-                    <a:schemeClr val="bg1">
-                      <a:alpha val="40000"/>
-                    </a:schemeClr>
-                  </a:glow>
-                </a:effectLst>
-              </a:rPr>
-              <a:t> and affordability datasets, converted to pandas </a:t>
+              <a:t>CES and LAID datasets downloaded as csv, converted to pandas </a:t>
             </a:r>
             <a:r>
               <a:rPr lang="en-US" b="1" dirty="0" err="1">
@@ -5542,7 +5610,7 @@
         <p:spPr>
           <a:xfrm>
             <a:off x="6913702" y="2967335"/>
-            <a:ext cx="3159815" cy="369332"/>
+            <a:ext cx="3159815" cy="923330"/>
           </a:xfrm>
           <a:prstGeom prst="rect">
             <a:avLst/>
@@ -5568,6 +5636,33 @@
                 </a:effectLst>
               </a:rPr>
               <a:t>What we learned…</a:t>
+            </a:r>
+          </a:p>
+          <a:p>
+            <a:pPr algn="ctr"/>
+            <a:endParaRPr lang="en-US" b="1" dirty="0">
+              <a:effectLst>
+                <a:glow rad="101600">
+                  <a:schemeClr val="bg1">
+                    <a:alpha val="40000"/>
+                  </a:schemeClr>
+                </a:glow>
+              </a:effectLst>
+            </a:endParaRPr>
+          </a:p>
+          <a:p>
+            <a:pPr algn="ctr"/>
+            <a:r>
+              <a:rPr lang="en-US" b="1" dirty="0">
+                <a:effectLst>
+                  <a:glow rad="101600">
+                    <a:schemeClr val="bg1">
+                      <a:alpha val="40000"/>
+                    </a:schemeClr>
+                  </a:glow>
+                </a:effectLst>
+              </a:rPr>
+              <a:t>How is data applicable</a:t>
             </a:r>
             <a:endParaRPr lang="en-US" dirty="0">
               <a:effectLst>
@@ -5697,7 +5792,7 @@
         <p:spPr>
           <a:xfrm>
             <a:off x="6913702" y="2967335"/>
-            <a:ext cx="3159815" cy="2585323"/>
+            <a:ext cx="3159815" cy="3139321"/>
           </a:xfrm>
           <a:prstGeom prst="rect">
             <a:avLst/>
@@ -5777,6 +5872,33 @@
                 </a:effectLst>
               </a:rPr>
               <a:t>Explore trends over time using datasets from different timeframes</a:t>
+            </a:r>
+          </a:p>
+          <a:p>
+            <a:pPr algn="ctr"/>
+            <a:endParaRPr lang="en-US" b="1" dirty="0">
+              <a:effectLst>
+                <a:glow rad="101600">
+                  <a:schemeClr val="bg1">
+                    <a:alpha val="40000"/>
+                  </a:schemeClr>
+                </a:glow>
+              </a:effectLst>
+            </a:endParaRPr>
+          </a:p>
+          <a:p>
+            <a:pPr algn="ctr"/>
+            <a:r>
+              <a:rPr lang="en-US" b="1" dirty="0">
+                <a:effectLst>
+                  <a:glow rad="101600">
+                    <a:schemeClr val="bg1">
+                      <a:alpha val="40000"/>
+                    </a:schemeClr>
+                  </a:glow>
+                </a:effectLst>
+              </a:rPr>
+              <a:t>Explore intervening solutions</a:t>
             </a:r>
           </a:p>
         </p:txBody>

--- a/presentation.pptx
+++ b/presentation.pptx
@@ -10,7 +10,7 @@
     <p:sldId id="271" r:id="rId4"/>
     <p:sldId id="265" r:id="rId5"/>
     <p:sldId id="266" r:id="rId6"/>
-    <p:sldId id="267" r:id="rId7"/>
+    <p:sldId id="272" r:id="rId7"/>
     <p:sldId id="264" r:id="rId8"/>
     <p:sldId id="269" r:id="rId9"/>
     <p:sldId id="268" r:id="rId10"/>
@@ -253,7 +253,7 @@
           <a:p>
             <a:fld id="{FEBE87DB-C73B-4A67-8F6E-B81A08101EDD}" type="datetimeFigureOut">
               <a:rPr lang="en-US" smtClean="0"/>
-              <a:t>9/27/2019</a:t>
+              <a:t>9/28/2019</a:t>
             </a:fld>
             <a:endParaRPr lang="en-US"/>
           </a:p>
@@ -423,7 +423,7 @@
           <a:p>
             <a:fld id="{FEBE87DB-C73B-4A67-8F6E-B81A08101EDD}" type="datetimeFigureOut">
               <a:rPr lang="en-US" smtClean="0"/>
-              <a:t>9/27/2019</a:t>
+              <a:t>9/28/2019</a:t>
             </a:fld>
             <a:endParaRPr lang="en-US"/>
           </a:p>
@@ -603,7 +603,7 @@
           <a:p>
             <a:fld id="{FEBE87DB-C73B-4A67-8F6E-B81A08101EDD}" type="datetimeFigureOut">
               <a:rPr lang="en-US" smtClean="0"/>
-              <a:t>9/27/2019</a:t>
+              <a:t>9/28/2019</a:t>
             </a:fld>
             <a:endParaRPr lang="en-US"/>
           </a:p>
@@ -773,7 +773,7 @@
           <a:p>
             <a:fld id="{FEBE87DB-C73B-4A67-8F6E-B81A08101EDD}" type="datetimeFigureOut">
               <a:rPr lang="en-US" smtClean="0"/>
-              <a:t>9/27/2019</a:t>
+              <a:t>9/28/2019</a:t>
             </a:fld>
             <a:endParaRPr lang="en-US"/>
           </a:p>
@@ -1019,7 +1019,7 @@
           <a:p>
             <a:fld id="{FEBE87DB-C73B-4A67-8F6E-B81A08101EDD}" type="datetimeFigureOut">
               <a:rPr lang="en-US" smtClean="0"/>
-              <a:t>9/27/2019</a:t>
+              <a:t>9/28/2019</a:t>
             </a:fld>
             <a:endParaRPr lang="en-US"/>
           </a:p>
@@ -1251,7 +1251,7 @@
           <a:p>
             <a:fld id="{FEBE87DB-C73B-4A67-8F6E-B81A08101EDD}" type="datetimeFigureOut">
               <a:rPr lang="en-US" smtClean="0"/>
-              <a:t>9/27/2019</a:t>
+              <a:t>9/28/2019</a:t>
             </a:fld>
             <a:endParaRPr lang="en-US"/>
           </a:p>
@@ -1618,7 +1618,7 @@
           <a:p>
             <a:fld id="{FEBE87DB-C73B-4A67-8F6E-B81A08101EDD}" type="datetimeFigureOut">
               <a:rPr lang="en-US" smtClean="0"/>
-              <a:t>9/27/2019</a:t>
+              <a:t>9/28/2019</a:t>
             </a:fld>
             <a:endParaRPr lang="en-US"/>
           </a:p>
@@ -1736,7 +1736,7 @@
           <a:p>
             <a:fld id="{FEBE87DB-C73B-4A67-8F6E-B81A08101EDD}" type="datetimeFigureOut">
               <a:rPr lang="en-US" smtClean="0"/>
-              <a:t>9/27/2019</a:t>
+              <a:t>9/28/2019</a:t>
             </a:fld>
             <a:endParaRPr lang="en-US"/>
           </a:p>
@@ -1831,7 +1831,7 @@
           <a:p>
             <a:fld id="{FEBE87DB-C73B-4A67-8F6E-B81A08101EDD}" type="datetimeFigureOut">
               <a:rPr lang="en-US" smtClean="0"/>
-              <a:t>9/27/2019</a:t>
+              <a:t>9/28/2019</a:t>
             </a:fld>
             <a:endParaRPr lang="en-US"/>
           </a:p>
@@ -2108,7 +2108,7 @@
           <a:p>
             <a:fld id="{FEBE87DB-C73B-4A67-8F6E-B81A08101EDD}" type="datetimeFigureOut">
               <a:rPr lang="en-US" smtClean="0"/>
-              <a:t>9/27/2019</a:t>
+              <a:t>9/28/2019</a:t>
             </a:fld>
             <a:endParaRPr lang="en-US"/>
           </a:p>
@@ -2365,7 +2365,7 @@
           <a:p>
             <a:fld id="{FEBE87DB-C73B-4A67-8F6E-B81A08101EDD}" type="datetimeFigureOut">
               <a:rPr lang="en-US" smtClean="0"/>
-              <a:t>9/27/2019</a:t>
+              <a:t>9/28/2019</a:t>
             </a:fld>
             <a:endParaRPr lang="en-US"/>
           </a:p>
@@ -2578,7 +2578,7 @@
           <a:p>
             <a:fld id="{FEBE87DB-C73B-4A67-8F6E-B81A08101EDD}" type="datetimeFigureOut">
               <a:rPr lang="en-US" smtClean="0"/>
-              <a:t>9/27/2019</a:t>
+              <a:t>9/28/2019</a:t>
             </a:fld>
             <a:endParaRPr lang="en-US"/>
           </a:p>
@@ -3406,8 +3406,8 @@
         </p:nvSpPr>
         <p:spPr>
           <a:xfrm>
-            <a:off x="2936184" y="2792061"/>
-            <a:ext cx="3159815" cy="2585323"/>
+            <a:off x="1042070" y="1919593"/>
+            <a:ext cx="3159815" cy="1200329"/>
           </a:xfrm>
           <a:prstGeom prst="rect">
             <a:avLst/>
@@ -3447,7 +3447,7 @@
                   </a:glow>
                 </a:effectLst>
               </a:rPr>
-              <a:t>State of Air Report 2019, American Lung Association, 2015-2017</a:t>
+              <a:t>-American Lung Association</a:t>
             </a:r>
           </a:p>
           <a:p>
@@ -3462,7 +3462,7 @@
                   </a:glow>
                 </a:effectLst>
               </a:rPr>
-              <a:t>https://www.lung.org/our-initiatives/healthy-air/sota/city-rankings/states/</a:t>
+              <a:t>-Aafa.org</a:t>
             </a:r>
           </a:p>
           <a:p>
@@ -3477,55 +3477,6 @@
               </a:effectLst>
             </a:endParaRPr>
           </a:p>
-          <a:p>
-            <a:pPr algn="ctr"/>
-            <a:r>
-              <a:rPr lang="en-US" b="1" dirty="0">
-                <a:effectLst>
-                  <a:glow rad="101600">
-                    <a:schemeClr val="bg1">
-                      <a:alpha val="40000"/>
-                    </a:schemeClr>
-                  </a:glow>
-                </a:effectLst>
-              </a:rPr>
-              <a:t>Aafa.org</a:t>
-            </a:r>
-          </a:p>
-        </p:txBody>
-      </p:sp>
-      <p:sp>
-        <p:nvSpPr>
-          <p:cNvPr id="3" name="Rectangle 2">
-            <a:extLst>
-              <a:ext uri="{FF2B5EF4-FFF2-40B4-BE49-F238E27FC236}">
-                <a16:creationId xmlns:a16="http://schemas.microsoft.com/office/drawing/2014/main" id="{3B91D94B-9927-4619-9AFE-D94E0CC7E769}"/>
-              </a:ext>
-            </a:extLst>
-          </p:cNvPr>
-          <p:cNvSpPr/>
-          <p:nvPr/>
-        </p:nvSpPr>
-        <p:spPr>
-          <a:xfrm>
-            <a:off x="3239641" y="3244334"/>
-            <a:ext cx="5712718" cy="369332"/>
-          </a:xfrm>
-          <a:prstGeom prst="rect">
-            <a:avLst/>
-          </a:prstGeom>
-        </p:spPr>
-        <p:txBody>
-          <a:bodyPr wrap="none">
-            <a:spAutoFit/>
-          </a:bodyPr>
-          <a:lstStyle/>
-          <a:p>
-            <a:r>
-              <a:rPr lang="en-US" dirty="0"/>
-              <a:t>https://oehha.ca.gov/calenviroscreen/calenviroscreen-faqs</a:t>
-            </a:r>
-          </a:p>
         </p:txBody>
       </p:sp>
       <p:sp>
@@ -3542,8 +3493,8 @@
         </p:nvSpPr>
         <p:spPr>
           <a:xfrm>
-            <a:off x="4733108" y="1919593"/>
-            <a:ext cx="6096000" cy="646331"/>
+            <a:off x="4824548" y="3429000"/>
+            <a:ext cx="6096000" cy="1477328"/>
           </a:xfrm>
           <a:prstGeom prst="rect">
             <a:avLst/>
@@ -3575,6 +3526,106 @@
               </a:rPr>
               <a:t>https://data.ca.gov/dataset/calenviroscreen-3-0-results/resource/89b3f4e9-0bf8-4690-8c6f-715a717f3fae</a:t>
             </a:r>
+            <a:endParaRPr lang="en-US" b="1" dirty="0">
+              <a:effectLst>
+                <a:glow rad="101600">
+                  <a:schemeClr val="bg1">
+                    <a:alpha val="40000"/>
+                  </a:schemeClr>
+                </a:glow>
+              </a:effectLst>
+            </a:endParaRPr>
+          </a:p>
+          <a:p>
+            <a:pPr algn="ctr"/>
+            <a:endParaRPr lang="en-US" b="1" dirty="0">
+              <a:effectLst>
+                <a:glow rad="101600">
+                  <a:schemeClr val="bg1">
+                    <a:alpha val="40000"/>
+                  </a:schemeClr>
+                </a:glow>
+              </a:effectLst>
+            </a:endParaRPr>
+          </a:p>
+          <a:p>
+            <a:pPr algn="ctr"/>
+            <a:r>
+              <a:rPr lang="en-US" b="1" dirty="0">
+                <a:effectLst>
+                  <a:glow rad="101600">
+                    <a:schemeClr val="bg1">
+                      <a:alpha val="40000"/>
+                    </a:schemeClr>
+                  </a:glow>
+                </a:effectLst>
+                <a:hlinkClick r:id="rId5">
+                  <a:extLst>
+                    <a:ext uri="{A12FA001-AC4F-418D-AE19-62706E023703}">
+                      <ahyp:hlinkClr xmlns:ahyp="http://schemas.microsoft.com/office/drawing/2018/hyperlinkcolor" val="tx"/>
+                    </a:ext>
+                  </a:extLst>
+                </a:hlinkClick>
+              </a:rPr>
+              <a:t>https://hudgis-hud.opendata.arcgis.com/datasets/location-affordability-index-v-3</a:t>
+            </a:r>
+            <a:endParaRPr lang="en-US" b="1" dirty="0">
+              <a:effectLst>
+                <a:glow rad="101600">
+                  <a:schemeClr val="bg1">
+                    <a:alpha val="40000"/>
+                  </a:schemeClr>
+                </a:glow>
+              </a:effectLst>
+            </a:endParaRPr>
+          </a:p>
+        </p:txBody>
+      </p:sp>
+      <p:sp>
+        <p:nvSpPr>
+          <p:cNvPr id="7" name="TextBox 6">
+            <a:extLst>
+              <a:ext uri="{FF2B5EF4-FFF2-40B4-BE49-F238E27FC236}">
+                <a16:creationId xmlns:a16="http://schemas.microsoft.com/office/drawing/2014/main" id="{92FF1618-9CF0-4743-9694-041F9AB6EE28}"/>
+              </a:ext>
+            </a:extLst>
+          </p:cNvPr>
+          <p:cNvSpPr txBox="1"/>
+          <p:nvPr/>
+        </p:nvSpPr>
+        <p:spPr>
+          <a:xfrm>
+            <a:off x="6292640" y="2977684"/>
+            <a:ext cx="3159815" cy="646331"/>
+          </a:xfrm>
+          <a:prstGeom prst="rect">
+            <a:avLst/>
+          </a:prstGeom>
+          <a:noFill/>
+          <a:effectLst/>
+        </p:spPr>
+        <p:txBody>
+          <a:bodyPr wrap="square" rtlCol="0">
+            <a:spAutoFit/>
+          </a:bodyPr>
+          <a:lstStyle/>
+          <a:p>
+            <a:pPr algn="ctr"/>
+            <a:r>
+              <a:rPr lang="en-US" b="1" dirty="0">
+                <a:effectLst>
+                  <a:glow rad="101600">
+                    <a:schemeClr val="bg1">
+                      <a:alpha val="40000"/>
+                    </a:schemeClr>
+                  </a:glow>
+                </a:effectLst>
+              </a:rPr>
+              <a:t>Link to datasets:</a:t>
+            </a:r>
+          </a:p>
+          <a:p>
+            <a:pPr algn="ctr"/>
             <a:endParaRPr lang="en-US" b="1" dirty="0">
               <a:effectLst>
                 <a:glow rad="101600">
@@ -4837,10 +4888,10 @@
       </p:sp>
       <p:sp>
         <p:nvSpPr>
-          <p:cNvPr id="3" name="TextBox 2">
+          <p:cNvPr id="5" name="TextBox 4">
             <a:extLst>
               <a:ext uri="{FF2B5EF4-FFF2-40B4-BE49-F238E27FC236}">
-                <a16:creationId xmlns:a16="http://schemas.microsoft.com/office/drawing/2014/main" id="{4811A400-2DE3-41BF-BA1B-7513054C04DE}"/>
+                <a16:creationId xmlns:a16="http://schemas.microsoft.com/office/drawing/2014/main" id="{484CB5E0-FF5A-4419-95C0-C28CC5BAB3F3}"/>
               </a:ext>
             </a:extLst>
           </p:cNvPr>
@@ -4849,8 +4900,8 @@
         </p:nvSpPr>
         <p:spPr>
           <a:xfrm>
-            <a:off x="1319350" y="2438848"/>
-            <a:ext cx="3466976" cy="2308324"/>
+            <a:off x="4317972" y="5872147"/>
+            <a:ext cx="3159815" cy="646331"/>
           </a:xfrm>
           <a:prstGeom prst="rect">
             <a:avLst/>
@@ -4865,18 +4916,6 @@
           <a:lstStyle/>
           <a:p>
             <a:pPr algn="ctr"/>
-            <a:r>
-              <a:rPr lang="en-US" b="1" dirty="0" err="1">
-                <a:effectLst>
-                  <a:glow rad="101600">
-                    <a:schemeClr val="bg1">
-                      <a:alpha val="40000"/>
-                    </a:schemeClr>
-                  </a:glow>
-                </a:effectLst>
-              </a:rPr>
-              <a:t>CalEnviroScreen</a:t>
-            </a:r>
             <a:r>
               <a:rPr lang="en-US" b="1" dirty="0">
                 <a:effectLst>
@@ -4887,20 +4926,8 @@
                   </a:glow>
                 </a:effectLst>
               </a:rPr>
-              <a:t> (CES) Dataset v3.0</a:t>
-            </a:r>
-          </a:p>
-          <a:p>
-            <a:pPr algn="ctr"/>
-            <a:endParaRPr lang="en-US" b="1" dirty="0">
-              <a:effectLst>
-                <a:glow rad="101600">
-                  <a:schemeClr val="bg1">
-                    <a:alpha val="40000"/>
-                  </a:schemeClr>
-                </a:glow>
-              </a:effectLst>
-            </a:endParaRPr>
+              <a:t>Merged dataset ~8k </a:t>
+            </a:r>
           </a:p>
           <a:p>
             <a:pPr algn="ctr"/>
@@ -4914,202 +4941,735 @@
                   </a:glow>
                 </a:effectLst>
               </a:rPr>
-              <a:t>Values for poverty, traffic, pollution, asthma </a:t>
-            </a:r>
-          </a:p>
-          <a:p>
-            <a:pPr algn="ctr"/>
-            <a:endParaRPr lang="en-US" b="1" dirty="0">
-              <a:effectLst>
-                <a:glow rad="101600">
-                  <a:schemeClr val="bg1">
-                    <a:alpha val="40000"/>
-                  </a:schemeClr>
-                </a:glow>
-              </a:effectLst>
-            </a:endParaRPr>
-          </a:p>
-          <a:p>
-            <a:pPr algn="ctr"/>
-            <a:r>
-              <a:rPr lang="en-US" b="1" dirty="0">
-                <a:effectLst>
-                  <a:glow rad="101600">
-                    <a:schemeClr val="bg1">
-                      <a:alpha val="40000"/>
-                    </a:schemeClr>
-                  </a:glow>
-                </a:effectLst>
-              </a:rPr>
-              <a:t>Compiled by census tract using data from 2010-2014</a:t>
-            </a:r>
-          </a:p>
-          <a:p>
-            <a:endParaRPr lang="en-US" dirty="0">
-              <a:effectLst>
-                <a:glow rad="101600">
-                  <a:schemeClr val="bg1">
-                    <a:alpha val="40000"/>
-                  </a:schemeClr>
-                </a:glow>
-              </a:effectLst>
-            </a:endParaRPr>
-          </a:p>
-        </p:txBody>
-      </p:sp>
-      <p:sp>
-        <p:nvSpPr>
-          <p:cNvPr id="4" name="TextBox 3">
+              <a:t>census tract rows</a:t>
+            </a:r>
+          </a:p>
+        </p:txBody>
+      </p:sp>
+      <p:graphicFrame>
+        <p:nvGraphicFramePr>
+          <p:cNvPr id="2" name="Table 1">
             <a:extLst>
               <a:ext uri="{FF2B5EF4-FFF2-40B4-BE49-F238E27FC236}">
-                <a16:creationId xmlns:a16="http://schemas.microsoft.com/office/drawing/2014/main" id="{455FA6F5-390C-4571-ABED-265D28FAB363}"/>
+                <a16:creationId xmlns:a16="http://schemas.microsoft.com/office/drawing/2014/main" id="{0459230B-1F6A-47E3-B5BF-EF424B10D4A3}"/>
               </a:ext>
             </a:extLst>
           </p:cNvPr>
-          <p:cNvSpPr txBox="1"/>
-          <p:nvPr/>
-        </p:nvSpPr>
-        <p:spPr>
-          <a:xfrm>
-            <a:off x="6992079" y="2343556"/>
-            <a:ext cx="4189727" cy="2862322"/>
-          </a:xfrm>
-          <a:prstGeom prst="rect">
-            <a:avLst/>
-          </a:prstGeom>
-          <a:noFill/>
-          <a:effectLst/>
-        </p:spPr>
-        <p:txBody>
-          <a:bodyPr wrap="square" rtlCol="0">
-            <a:spAutoFit/>
-          </a:bodyPr>
-          <a:lstStyle/>
-          <a:p>
-            <a:pPr algn="ctr"/>
-            <a:r>
-              <a:rPr lang="en-US" b="1" dirty="0">
-                <a:effectLst>
-                  <a:glow rad="101600">
-                    <a:schemeClr val="bg1">
-                      <a:alpha val="40000"/>
-                    </a:schemeClr>
-                  </a:glow>
-                </a:effectLst>
-              </a:rPr>
-              <a:t>Location Affordability Index Dataset  (LAID) v3.0</a:t>
-            </a:r>
-          </a:p>
-          <a:p>
-            <a:pPr algn="ctr"/>
-            <a:endParaRPr lang="en-US" b="1" dirty="0">
-              <a:effectLst>
-                <a:glow rad="101600">
-                  <a:schemeClr val="bg1">
-                    <a:alpha val="40000"/>
-                  </a:schemeClr>
-                </a:glow>
-              </a:effectLst>
-            </a:endParaRPr>
-          </a:p>
-          <a:p>
-            <a:pPr algn="ctr"/>
-            <a:r>
-              <a:rPr lang="en-US" b="1" dirty="0">
-                <a:effectLst>
-                  <a:glow rad="101600">
-                    <a:schemeClr val="bg1">
-                      <a:alpha val="40000"/>
-                    </a:schemeClr>
-                  </a:glow>
-                </a:effectLst>
-              </a:rPr>
-              <a:t>Various statistics on living costs &amp; household characteristics by census tract 2016-2018</a:t>
-            </a:r>
-          </a:p>
-          <a:p>
-            <a:pPr algn="ctr"/>
-            <a:endParaRPr lang="en-US" b="1" dirty="0">
-              <a:effectLst>
-                <a:glow rad="101600">
-                  <a:schemeClr val="bg1">
-                    <a:alpha val="40000"/>
-                  </a:schemeClr>
-                </a:glow>
-              </a:effectLst>
-            </a:endParaRPr>
-          </a:p>
-          <a:p>
-            <a:pPr algn="ctr"/>
-            <a:r>
-              <a:rPr lang="en-US" b="1" dirty="0">
-                <a:effectLst>
-                  <a:glow rad="101600">
-                    <a:schemeClr val="bg1">
-                      <a:alpha val="40000"/>
-                    </a:schemeClr>
-                  </a:glow>
-                </a:effectLst>
-              </a:rPr>
-              <a:t>Average rent, automobiles owned, number houses, household density, median income, etc.</a:t>
-            </a:r>
-            <a:endParaRPr lang="en-US" dirty="0">
-              <a:effectLst>
-                <a:glow rad="101600">
-                  <a:schemeClr val="bg1">
-                    <a:alpha val="40000"/>
-                  </a:schemeClr>
-                </a:glow>
-              </a:effectLst>
-            </a:endParaRPr>
-          </a:p>
-        </p:txBody>
-      </p:sp>
-      <p:sp>
-        <p:nvSpPr>
-          <p:cNvPr id="5" name="TextBox 4">
-            <a:extLst>
-              <a:ext uri="{FF2B5EF4-FFF2-40B4-BE49-F238E27FC236}">
-                <a16:creationId xmlns:a16="http://schemas.microsoft.com/office/drawing/2014/main" id="{484CB5E0-FF5A-4419-95C0-C28CC5BAB3F3}"/>
-              </a:ext>
-            </a:extLst>
-          </p:cNvPr>
-          <p:cNvSpPr txBox="1"/>
-          <p:nvPr/>
-        </p:nvSpPr>
-        <p:spPr>
-          <a:xfrm>
-            <a:off x="4054175" y="5159778"/>
-            <a:ext cx="3159815" cy="369332"/>
-          </a:xfrm>
-          <a:prstGeom prst="rect">
-            <a:avLst/>
-          </a:prstGeom>
-          <a:noFill/>
-          <a:effectLst/>
-        </p:spPr>
-        <p:txBody>
-          <a:bodyPr wrap="square" rtlCol="0">
-            <a:spAutoFit/>
-          </a:bodyPr>
-          <a:lstStyle/>
-          <a:p>
-            <a:pPr algn="ctr"/>
-            <a:r>
-              <a:rPr lang="en-US" b="1" dirty="0">
-                <a:effectLst>
-                  <a:glow rad="101600">
-                    <a:schemeClr val="bg1">
-                      <a:alpha val="40000"/>
-                    </a:schemeClr>
-                  </a:glow>
-                </a:effectLst>
-              </a:rPr>
-              <a:t>Almost 8k census tracts</a:t>
-            </a:r>
-          </a:p>
-        </p:txBody>
-      </p:sp>
+          <p:cNvGraphicFramePr>
+            <a:graphicFrameLocks noGrp="1"/>
+          </p:cNvGraphicFramePr>
+          <p:nvPr>
+            <p:extLst>
+              <p:ext uri="{D42A27DB-BD31-4B8C-83A1-F6EECF244321}">
+                <p14:modId xmlns:p14="http://schemas.microsoft.com/office/powerpoint/2010/main" val="4099205918"/>
+              </p:ext>
+            </p:extLst>
+          </p:nvPr>
+        </p:nvGraphicFramePr>
+        <p:xfrm>
+          <a:off x="1554480" y="1676293"/>
+          <a:ext cx="8621486" cy="3876407"/>
+        </p:xfrm>
+        <a:graphic>
+          <a:graphicData uri="http://schemas.openxmlformats.org/drawingml/2006/table">
+            <a:tbl>
+              <a:tblPr firstRow="1" bandRow="1">
+                <a:tableStyleId>{F5AB1C69-6EDB-4FF4-983F-18BD219EF322}</a:tableStyleId>
+              </a:tblPr>
+              <a:tblGrid>
+                <a:gridCol w="1791816">
+                  <a:extLst>
+                    <a:ext uri="{9D8B030D-6E8A-4147-A177-3AD203B41FA5}">
+                      <a16:colId xmlns:a16="http://schemas.microsoft.com/office/drawing/2014/main" val="951215367"/>
+                    </a:ext>
+                  </a:extLst>
+                </a:gridCol>
+                <a:gridCol w="3259024">
+                  <a:extLst>
+                    <a:ext uri="{9D8B030D-6E8A-4147-A177-3AD203B41FA5}">
+                      <a16:colId xmlns:a16="http://schemas.microsoft.com/office/drawing/2014/main" val="3914258233"/>
+                    </a:ext>
+                  </a:extLst>
+                </a:gridCol>
+                <a:gridCol w="3570646">
+                  <a:extLst>
+                    <a:ext uri="{9D8B030D-6E8A-4147-A177-3AD203B41FA5}">
+                      <a16:colId xmlns:a16="http://schemas.microsoft.com/office/drawing/2014/main" val="361163194"/>
+                    </a:ext>
+                  </a:extLst>
+                </a:gridCol>
+              </a:tblGrid>
+              <a:tr h="866716">
+                <a:tc>
+                  <a:txBody>
+                    <a:bodyPr/>
+                    <a:lstStyle/>
+                    <a:p>
+                      <a:pPr algn="ctr"/>
+                      <a:r>
+                        <a:rPr lang="en-US" sz="1600" dirty="0"/>
+                        <a:t>Dataset </a:t>
+                      </a:r>
+                    </a:p>
+                    <a:p>
+                      <a:pPr algn="ctr"/>
+                      <a:r>
+                        <a:rPr lang="en-US" sz="1600" dirty="0"/>
+                        <a:t>Name</a:t>
+                      </a:r>
+                    </a:p>
+                  </a:txBody>
+                  <a:tcPr marL="80167" marR="80167" marT="40083" marB="40083" anchor="ctr">
+                    <a:lnL w="12700" cap="flat" cmpd="sng" algn="ctr">
+                      <a:solidFill>
+                        <a:schemeClr val="tx1"/>
+                      </a:solidFill>
+                      <a:prstDash val="solid"/>
+                      <a:round/>
+                      <a:headEnd type="none" w="med" len="med"/>
+                      <a:tailEnd type="none" w="med" len="med"/>
+                    </a:lnL>
+                    <a:lnR w="12700" cap="flat" cmpd="sng" algn="ctr">
+                      <a:solidFill>
+                        <a:schemeClr val="tx1"/>
+                      </a:solidFill>
+                      <a:prstDash val="solid"/>
+                      <a:round/>
+                      <a:headEnd type="none" w="med" len="med"/>
+                      <a:tailEnd type="none" w="med" len="med"/>
+                    </a:lnR>
+                    <a:lnT w="12700" cap="flat" cmpd="sng" algn="ctr">
+                      <a:solidFill>
+                        <a:schemeClr val="tx1"/>
+                      </a:solidFill>
+                      <a:prstDash val="solid"/>
+                      <a:round/>
+                      <a:headEnd type="none" w="med" len="med"/>
+                      <a:tailEnd type="none" w="med" len="med"/>
+                    </a:lnT>
+                    <a:lnB w="12700" cap="flat" cmpd="sng" algn="ctr">
+                      <a:solidFill>
+                        <a:schemeClr val="tx1"/>
+                      </a:solidFill>
+                      <a:prstDash val="solid"/>
+                      <a:round/>
+                      <a:headEnd type="none" w="med" len="med"/>
+                      <a:tailEnd type="none" w="med" len="med"/>
+                    </a:lnB>
+                  </a:tcPr>
+                </a:tc>
+                <a:tc>
+                  <a:txBody>
+                    <a:bodyPr/>
+                    <a:lstStyle/>
+                    <a:p>
+                      <a:pPr algn="ctr"/>
+                      <a:r>
+                        <a:rPr lang="en-US" sz="1600" dirty="0" err="1"/>
+                        <a:t>CalEnviroScreen</a:t>
+                      </a:r>
+                      <a:r>
+                        <a:rPr lang="en-US" sz="1600" dirty="0"/>
+                        <a:t> </a:t>
+                      </a:r>
+                    </a:p>
+                    <a:p>
+                      <a:pPr algn="ctr"/>
+                      <a:r>
+                        <a:rPr lang="en-US" sz="1600" dirty="0"/>
+                        <a:t>(CES) v3.0</a:t>
+                      </a:r>
+                    </a:p>
+                  </a:txBody>
+                  <a:tcPr marL="80167" marR="80167" marT="40083" marB="40083" anchor="ctr">
+                    <a:lnL w="12700" cap="flat" cmpd="sng" algn="ctr">
+                      <a:solidFill>
+                        <a:schemeClr val="tx1"/>
+                      </a:solidFill>
+                      <a:prstDash val="solid"/>
+                      <a:round/>
+                      <a:headEnd type="none" w="med" len="med"/>
+                      <a:tailEnd type="none" w="med" len="med"/>
+                    </a:lnL>
+                    <a:lnT w="12700" cap="flat" cmpd="sng" algn="ctr">
+                      <a:solidFill>
+                        <a:schemeClr val="tx1"/>
+                      </a:solidFill>
+                      <a:prstDash val="solid"/>
+                      <a:round/>
+                      <a:headEnd type="none" w="med" len="med"/>
+                      <a:tailEnd type="none" w="med" len="med"/>
+                    </a:lnT>
+                    <a:lnB w="12700" cap="flat" cmpd="sng" algn="ctr">
+                      <a:solidFill>
+                        <a:schemeClr val="tx1"/>
+                      </a:solidFill>
+                      <a:prstDash val="solid"/>
+                      <a:round/>
+                      <a:headEnd type="none" w="med" len="med"/>
+                      <a:tailEnd type="none" w="med" len="med"/>
+                    </a:lnB>
+                  </a:tcPr>
+                </a:tc>
+                <a:tc>
+                  <a:txBody>
+                    <a:bodyPr/>
+                    <a:lstStyle/>
+                    <a:p>
+                      <a:pPr algn="ctr"/>
+                      <a:r>
+                        <a:rPr lang="en-US" sz="1600" dirty="0"/>
+                        <a:t>Location Affordability Index </a:t>
+                      </a:r>
+                    </a:p>
+                    <a:p>
+                      <a:pPr algn="ctr"/>
+                      <a:r>
+                        <a:rPr lang="en-US" sz="1600" dirty="0"/>
+                        <a:t>(LAID) v3.0</a:t>
+                      </a:r>
+                    </a:p>
+                  </a:txBody>
+                  <a:tcPr marL="80167" marR="80167" marT="40083" marB="40083" anchor="ctr">
+                    <a:lnR w="12700" cap="flat" cmpd="sng" algn="ctr">
+                      <a:solidFill>
+                        <a:schemeClr val="tx1"/>
+                      </a:solidFill>
+                      <a:prstDash val="solid"/>
+                      <a:round/>
+                      <a:headEnd type="none" w="med" len="med"/>
+                      <a:tailEnd type="none" w="med" len="med"/>
+                    </a:lnR>
+                    <a:lnT w="12700" cap="flat" cmpd="sng" algn="ctr">
+                      <a:solidFill>
+                        <a:schemeClr val="tx1"/>
+                      </a:solidFill>
+                      <a:prstDash val="solid"/>
+                      <a:round/>
+                      <a:headEnd type="none" w="med" len="med"/>
+                      <a:tailEnd type="none" w="med" len="med"/>
+                    </a:lnT>
+                    <a:lnB w="12700" cap="flat" cmpd="sng" algn="ctr">
+                      <a:solidFill>
+                        <a:schemeClr val="tx1"/>
+                      </a:solidFill>
+                      <a:prstDash val="solid"/>
+                      <a:round/>
+                      <a:headEnd type="none" w="med" len="med"/>
+                      <a:tailEnd type="none" w="med" len="med"/>
+                    </a:lnB>
+                  </a:tcPr>
+                </a:tc>
+                <a:extLst>
+                  <a:ext uri="{0D108BD9-81ED-4DB2-BD59-A6C34878D82A}">
+                    <a16:rowId xmlns:a16="http://schemas.microsoft.com/office/drawing/2014/main" val="3487202446"/>
+                  </a:ext>
+                </a:extLst>
+              </a:tr>
+              <a:tr h="1193133">
+                <a:tc>
+                  <a:txBody>
+                    <a:bodyPr/>
+                    <a:lstStyle/>
+                    <a:p>
+                      <a:pPr algn="ctr"/>
+                      <a:r>
+                        <a:rPr lang="en-US" sz="1600" b="1" dirty="0"/>
+                        <a:t>Relevant Measurements</a:t>
+                      </a:r>
+                    </a:p>
+                  </a:txBody>
+                  <a:tcPr marL="80167" marR="80167" marT="40083" marB="40083" anchor="ctr">
+                    <a:lnL w="12700" cap="flat" cmpd="sng" algn="ctr">
+                      <a:solidFill>
+                        <a:schemeClr val="tx1"/>
+                      </a:solidFill>
+                      <a:prstDash val="solid"/>
+                      <a:round/>
+                      <a:headEnd type="none" w="med" len="med"/>
+                      <a:tailEnd type="none" w="med" len="med"/>
+                    </a:lnL>
+                    <a:lnR w="12700" cap="flat" cmpd="sng" algn="ctr">
+                      <a:solidFill>
+                        <a:schemeClr val="tx1"/>
+                      </a:solidFill>
+                      <a:prstDash val="solid"/>
+                      <a:round/>
+                      <a:headEnd type="none" w="med" len="med"/>
+                      <a:tailEnd type="none" w="med" len="med"/>
+                    </a:lnR>
+                    <a:lnT w="12700" cap="flat" cmpd="sng" algn="ctr">
+                      <a:solidFill>
+                        <a:schemeClr val="tx1"/>
+                      </a:solidFill>
+                      <a:prstDash val="solid"/>
+                      <a:round/>
+                      <a:headEnd type="none" w="med" len="med"/>
+                      <a:tailEnd type="none" w="med" len="med"/>
+                    </a:lnT>
+                  </a:tcPr>
+                </a:tc>
+                <a:tc>
+                  <a:txBody>
+                    <a:bodyPr/>
+                    <a:lstStyle/>
+                    <a:p>
+                      <a:pPr marL="1200150" lvl="2" indent="-285750" algn="l">
+                        <a:buFont typeface="Arial" panose="020B0604020202020204" pitchFamily="34" charset="0"/>
+                        <a:buChar char="•"/>
+                      </a:pPr>
+                      <a:r>
+                        <a:rPr lang="en-US" sz="1600" dirty="0"/>
+                        <a:t>Poverty</a:t>
+                      </a:r>
+                    </a:p>
+                    <a:p>
+                      <a:pPr marL="1200150" lvl="2" indent="-285750" algn="l">
+                        <a:buFont typeface="Arial" panose="020B0604020202020204" pitchFamily="34" charset="0"/>
+                        <a:buChar char="•"/>
+                      </a:pPr>
+                      <a:r>
+                        <a:rPr lang="en-US" sz="1600" dirty="0"/>
+                        <a:t>Traffic Density</a:t>
+                      </a:r>
+                    </a:p>
+                    <a:p>
+                      <a:pPr marL="1200150" lvl="2" indent="-285750" algn="l">
+                        <a:buFont typeface="Arial" panose="020B0604020202020204" pitchFamily="34" charset="0"/>
+                        <a:buChar char="•"/>
+                      </a:pPr>
+                      <a:r>
+                        <a:rPr lang="en-US" sz="1600" dirty="0"/>
+                        <a:t>Pollution</a:t>
+                      </a:r>
+                    </a:p>
+                    <a:p>
+                      <a:pPr marL="1200150" lvl="2" indent="-285750" algn="l">
+                        <a:buFont typeface="Arial" panose="020B0604020202020204" pitchFamily="34" charset="0"/>
+                        <a:buChar char="•"/>
+                      </a:pPr>
+                      <a:r>
+                        <a:rPr lang="en-US" sz="1600" dirty="0"/>
+                        <a:t>Asthma</a:t>
+                      </a:r>
+                    </a:p>
+                  </a:txBody>
+                  <a:tcPr marL="80167" marR="80167" marT="40083" marB="40083" anchor="ctr">
+                    <a:lnL w="12700" cap="flat" cmpd="sng" algn="ctr">
+                      <a:solidFill>
+                        <a:schemeClr val="tx1"/>
+                      </a:solidFill>
+                      <a:prstDash val="solid"/>
+                      <a:round/>
+                      <a:headEnd type="none" w="med" len="med"/>
+                      <a:tailEnd type="none" w="med" len="med"/>
+                    </a:lnL>
+                    <a:lnT w="12700" cap="flat" cmpd="sng" algn="ctr">
+                      <a:solidFill>
+                        <a:schemeClr val="tx1"/>
+                      </a:solidFill>
+                      <a:prstDash val="solid"/>
+                      <a:round/>
+                      <a:headEnd type="none" w="med" len="med"/>
+                      <a:tailEnd type="none" w="med" len="med"/>
+                    </a:lnT>
+                  </a:tcPr>
+                </a:tc>
+                <a:tc>
+                  <a:txBody>
+                    <a:bodyPr/>
+                    <a:lstStyle/>
+                    <a:p>
+                      <a:pPr marL="1200150" lvl="2" indent="-285750" algn="l">
+                        <a:buFont typeface="Arial" panose="020B0604020202020204" pitchFamily="34" charset="0"/>
+                        <a:buChar char="•"/>
+                      </a:pPr>
+                      <a:r>
+                        <a:rPr lang="en-US" sz="1600" dirty="0"/>
+                        <a:t>Average Rent</a:t>
+                      </a:r>
+                    </a:p>
+                    <a:p>
+                      <a:pPr marL="1200150" lvl="2" indent="-285750" algn="l">
+                        <a:buFont typeface="Arial" panose="020B0604020202020204" pitchFamily="34" charset="0"/>
+                        <a:buChar char="•"/>
+                      </a:pPr>
+                      <a:r>
+                        <a:rPr lang="en-US" sz="1600" dirty="0"/>
+                        <a:t>Automobiles/HH</a:t>
+                      </a:r>
+                    </a:p>
+                    <a:p>
+                      <a:pPr marL="1200150" lvl="2" indent="-285750" algn="l">
+                        <a:buFont typeface="Arial" panose="020B0604020202020204" pitchFamily="34" charset="0"/>
+                        <a:buChar char="•"/>
+                      </a:pPr>
+                      <a:r>
+                        <a:rPr lang="en-US" sz="1600" dirty="0"/>
+                        <a:t>HH Density</a:t>
+                      </a:r>
+                    </a:p>
+                    <a:p>
+                      <a:pPr marL="1200150" lvl="2" indent="-285750" algn="l">
+                        <a:buFont typeface="Arial" panose="020B0604020202020204" pitchFamily="34" charset="0"/>
+                        <a:buChar char="•"/>
+                      </a:pPr>
+                      <a:r>
+                        <a:rPr lang="en-US" sz="1600" dirty="0"/>
+                        <a:t>Median Income</a:t>
+                      </a:r>
+                    </a:p>
+                  </a:txBody>
+                  <a:tcPr marL="80167" marR="80167" marT="40083" marB="40083" anchor="ctr">
+                    <a:lnR w="12700" cap="flat" cmpd="sng" algn="ctr">
+                      <a:solidFill>
+                        <a:schemeClr val="tx1"/>
+                      </a:solidFill>
+                      <a:prstDash val="solid"/>
+                      <a:round/>
+                      <a:headEnd type="none" w="med" len="med"/>
+                      <a:tailEnd type="none" w="med" len="med"/>
+                    </a:lnR>
+                    <a:lnT w="12700" cap="flat" cmpd="sng" algn="ctr">
+                      <a:solidFill>
+                        <a:schemeClr val="tx1"/>
+                      </a:solidFill>
+                      <a:prstDash val="solid"/>
+                      <a:round/>
+                      <a:headEnd type="none" w="med" len="med"/>
+                      <a:tailEnd type="none" w="med" len="med"/>
+                    </a:lnT>
+                  </a:tcPr>
+                </a:tc>
+                <a:extLst>
+                  <a:ext uri="{0D108BD9-81ED-4DB2-BD59-A6C34878D82A}">
+                    <a16:rowId xmlns:a16="http://schemas.microsoft.com/office/drawing/2014/main" val="663263331"/>
+                  </a:ext>
+                </a:extLst>
+              </a:tr>
+              <a:tr h="576875">
+                <a:tc>
+                  <a:txBody>
+                    <a:bodyPr/>
+                    <a:lstStyle/>
+                    <a:p>
+                      <a:pPr algn="ctr"/>
+                      <a:r>
+                        <a:rPr lang="en-US" sz="1600" b="1" dirty="0"/>
+                        <a:t>Geographic </a:t>
+                      </a:r>
+                    </a:p>
+                    <a:p>
+                      <a:pPr algn="ctr"/>
+                      <a:r>
+                        <a:rPr lang="en-US" sz="1600" b="1" dirty="0"/>
+                        <a:t>Unit</a:t>
+                      </a:r>
+                    </a:p>
+                  </a:txBody>
+                  <a:tcPr marL="80167" marR="80167" marT="40083" marB="40083" anchor="ctr">
+                    <a:lnL w="12700" cap="flat" cmpd="sng" algn="ctr">
+                      <a:solidFill>
+                        <a:schemeClr val="tx1"/>
+                      </a:solidFill>
+                      <a:prstDash val="solid"/>
+                      <a:round/>
+                      <a:headEnd type="none" w="med" len="med"/>
+                      <a:tailEnd type="none" w="med" len="med"/>
+                    </a:lnL>
+                    <a:lnR w="12700" cap="flat" cmpd="sng" algn="ctr">
+                      <a:solidFill>
+                        <a:schemeClr val="tx1"/>
+                      </a:solidFill>
+                      <a:prstDash val="solid"/>
+                      <a:round/>
+                      <a:headEnd type="none" w="med" len="med"/>
+                      <a:tailEnd type="none" w="med" len="med"/>
+                    </a:lnR>
+                  </a:tcPr>
+                </a:tc>
+                <a:tc>
+                  <a:txBody>
+                    <a:bodyPr/>
+                    <a:lstStyle/>
+                    <a:p>
+                      <a:pPr algn="ctr"/>
+                      <a:r>
+                        <a:rPr lang="en-US" sz="1600" dirty="0"/>
+                        <a:t>Census Tract</a:t>
+                      </a:r>
+                    </a:p>
+                  </a:txBody>
+                  <a:tcPr marL="80167" marR="80167" marT="40083" marB="40083" anchor="ctr">
+                    <a:lnL w="12700" cap="flat" cmpd="sng" algn="ctr">
+                      <a:solidFill>
+                        <a:schemeClr val="tx1"/>
+                      </a:solidFill>
+                      <a:prstDash val="solid"/>
+                      <a:round/>
+                      <a:headEnd type="none" w="med" len="med"/>
+                      <a:tailEnd type="none" w="med" len="med"/>
+                    </a:lnL>
+                  </a:tcPr>
+                </a:tc>
+                <a:tc>
+                  <a:txBody>
+                    <a:bodyPr/>
+                    <a:lstStyle/>
+                    <a:p>
+                      <a:pPr algn="ctr"/>
+                      <a:r>
+                        <a:rPr lang="en-US" sz="1600" dirty="0"/>
+                        <a:t>Census Tract</a:t>
+                      </a:r>
+                    </a:p>
+                  </a:txBody>
+                  <a:tcPr marL="80167" marR="80167" marT="40083" marB="40083" anchor="ctr">
+                    <a:lnR w="12700" cap="flat" cmpd="sng" algn="ctr">
+                      <a:solidFill>
+                        <a:schemeClr val="tx1"/>
+                      </a:solidFill>
+                      <a:prstDash val="solid"/>
+                      <a:round/>
+                      <a:headEnd type="none" w="med" len="med"/>
+                      <a:tailEnd type="none" w="med" len="med"/>
+                    </a:lnR>
+                  </a:tcPr>
+                </a:tc>
+                <a:extLst>
+                  <a:ext uri="{0D108BD9-81ED-4DB2-BD59-A6C34878D82A}">
+                    <a16:rowId xmlns:a16="http://schemas.microsoft.com/office/drawing/2014/main" val="3949106927"/>
+                  </a:ext>
+                </a:extLst>
+              </a:tr>
+              <a:tr h="597226">
+                <a:tc>
+                  <a:txBody>
+                    <a:bodyPr/>
+                    <a:lstStyle/>
+                    <a:p>
+                      <a:pPr algn="ctr"/>
+                      <a:r>
+                        <a:rPr lang="en-US" sz="1600" b="1" dirty="0"/>
+                        <a:t>Timeframe </a:t>
+                      </a:r>
+                    </a:p>
+                    <a:p>
+                      <a:pPr algn="ctr"/>
+                      <a:r>
+                        <a:rPr lang="en-US" sz="1600" b="1" dirty="0"/>
+                        <a:t>of Study</a:t>
+                      </a:r>
+                    </a:p>
+                  </a:txBody>
+                  <a:tcPr marL="80167" marR="80167" marT="40083" marB="40083" anchor="ctr">
+                    <a:lnL w="12700" cap="flat" cmpd="sng" algn="ctr">
+                      <a:solidFill>
+                        <a:schemeClr val="tx1"/>
+                      </a:solidFill>
+                      <a:prstDash val="solid"/>
+                      <a:round/>
+                      <a:headEnd type="none" w="med" len="med"/>
+                      <a:tailEnd type="none" w="med" len="med"/>
+                    </a:lnL>
+                    <a:lnR w="12700" cap="flat" cmpd="sng" algn="ctr">
+                      <a:solidFill>
+                        <a:schemeClr val="tx1"/>
+                      </a:solidFill>
+                      <a:prstDash val="solid"/>
+                      <a:round/>
+                      <a:headEnd type="none" w="med" len="med"/>
+                      <a:tailEnd type="none" w="med" len="med"/>
+                    </a:lnR>
+                  </a:tcPr>
+                </a:tc>
+                <a:tc>
+                  <a:txBody>
+                    <a:bodyPr/>
+                    <a:lstStyle/>
+                    <a:p>
+                      <a:pPr algn="ctr"/>
+                      <a:r>
+                        <a:rPr lang="en-US" sz="1600" dirty="0"/>
+                        <a:t>2010-2014</a:t>
+                      </a:r>
+                    </a:p>
+                  </a:txBody>
+                  <a:tcPr marL="80167" marR="80167" marT="40083" marB="40083" anchor="ctr">
+                    <a:lnL w="12700" cap="flat" cmpd="sng" algn="ctr">
+                      <a:solidFill>
+                        <a:schemeClr val="tx1"/>
+                      </a:solidFill>
+                      <a:prstDash val="solid"/>
+                      <a:round/>
+                      <a:headEnd type="none" w="med" len="med"/>
+                      <a:tailEnd type="none" w="med" len="med"/>
+                    </a:lnL>
+                  </a:tcPr>
+                </a:tc>
+                <a:tc>
+                  <a:txBody>
+                    <a:bodyPr/>
+                    <a:lstStyle/>
+                    <a:p>
+                      <a:pPr algn="ctr"/>
+                      <a:r>
+                        <a:rPr lang="en-US" sz="1600" dirty="0"/>
+                        <a:t>2016-2018</a:t>
+                      </a:r>
+                    </a:p>
+                  </a:txBody>
+                  <a:tcPr marL="80167" marR="80167" marT="40083" marB="40083" anchor="ctr">
+                    <a:lnR w="12700" cap="flat" cmpd="sng" algn="ctr">
+                      <a:solidFill>
+                        <a:schemeClr val="tx1"/>
+                      </a:solidFill>
+                      <a:prstDash val="solid"/>
+                      <a:round/>
+                      <a:headEnd type="none" w="med" len="med"/>
+                      <a:tailEnd type="none" w="med" len="med"/>
+                    </a:lnR>
+                  </a:tcPr>
+                </a:tc>
+                <a:extLst>
+                  <a:ext uri="{0D108BD9-81ED-4DB2-BD59-A6C34878D82A}">
+                    <a16:rowId xmlns:a16="http://schemas.microsoft.com/office/drawing/2014/main" val="2954700756"/>
+                  </a:ext>
+                </a:extLst>
+              </a:tr>
+              <a:tr h="642457">
+                <a:tc>
+                  <a:txBody>
+                    <a:bodyPr/>
+                    <a:lstStyle/>
+                    <a:p>
+                      <a:pPr algn="ctr"/>
+                      <a:r>
+                        <a:rPr lang="en-US" sz="1600" b="1" dirty="0"/>
+                        <a:t>Source</a:t>
+                      </a:r>
+                    </a:p>
+                  </a:txBody>
+                  <a:tcPr marL="80167" marR="80167" marT="40083" marB="40083" anchor="ctr">
+                    <a:lnL w="12700" cap="flat" cmpd="sng" algn="ctr">
+                      <a:solidFill>
+                        <a:schemeClr val="tx1"/>
+                      </a:solidFill>
+                      <a:prstDash val="solid"/>
+                      <a:round/>
+                      <a:headEnd type="none" w="med" len="med"/>
+                      <a:tailEnd type="none" w="med" len="med"/>
+                    </a:lnL>
+                    <a:lnR w="12700" cap="flat" cmpd="sng" algn="ctr">
+                      <a:solidFill>
+                        <a:schemeClr val="tx1"/>
+                      </a:solidFill>
+                      <a:prstDash val="solid"/>
+                      <a:round/>
+                      <a:headEnd type="none" w="med" len="med"/>
+                      <a:tailEnd type="none" w="med" len="med"/>
+                    </a:lnR>
+                    <a:lnB w="12700" cap="flat" cmpd="sng" algn="ctr">
+                      <a:solidFill>
+                        <a:schemeClr val="tx1"/>
+                      </a:solidFill>
+                      <a:prstDash val="solid"/>
+                      <a:round/>
+                      <a:headEnd type="none" w="med" len="med"/>
+                      <a:tailEnd type="none" w="med" len="med"/>
+                    </a:lnB>
+                  </a:tcPr>
+                </a:tc>
+                <a:tc>
+                  <a:txBody>
+                    <a:bodyPr/>
+                    <a:lstStyle/>
+                    <a:p>
+                      <a:pPr algn="ctr"/>
+                      <a:r>
+                        <a:rPr lang="en-US" sz="1600" dirty="0"/>
+                        <a:t>California Open </a:t>
+                      </a:r>
+                    </a:p>
+                    <a:p>
+                      <a:pPr algn="ctr"/>
+                      <a:r>
+                        <a:rPr lang="en-US" sz="1600" dirty="0"/>
+                        <a:t>Data Portal</a:t>
+                      </a:r>
+                    </a:p>
+                  </a:txBody>
+                  <a:tcPr marL="80167" marR="80167" marT="40083" marB="40083" anchor="ctr">
+                    <a:lnL w="12700" cap="flat" cmpd="sng" algn="ctr">
+                      <a:solidFill>
+                        <a:schemeClr val="tx1"/>
+                      </a:solidFill>
+                      <a:prstDash val="solid"/>
+                      <a:round/>
+                      <a:headEnd type="none" w="med" len="med"/>
+                      <a:tailEnd type="none" w="med" len="med"/>
+                    </a:lnL>
+                    <a:lnB w="12700" cap="flat" cmpd="sng" algn="ctr">
+                      <a:solidFill>
+                        <a:schemeClr val="tx1"/>
+                      </a:solidFill>
+                      <a:prstDash val="solid"/>
+                      <a:round/>
+                      <a:headEnd type="none" w="med" len="med"/>
+                      <a:tailEnd type="none" w="med" len="med"/>
+                    </a:lnB>
+                  </a:tcPr>
+                </a:tc>
+                <a:tc>
+                  <a:txBody>
+                    <a:bodyPr/>
+                    <a:lstStyle/>
+                    <a:p>
+                      <a:pPr algn="ctr"/>
+                      <a:r>
+                        <a:rPr lang="en-US" sz="1600" dirty="0"/>
+                        <a:t>US Dept of Housing and </a:t>
+                      </a:r>
+                    </a:p>
+                    <a:p>
+                      <a:pPr algn="ctr"/>
+                      <a:r>
+                        <a:rPr lang="en-US" sz="1600" dirty="0"/>
+                        <a:t>Urban Development</a:t>
+                      </a:r>
+                    </a:p>
+                  </a:txBody>
+                  <a:tcPr marL="80167" marR="80167" marT="40083" marB="40083" anchor="ctr">
+                    <a:lnR w="12700" cap="flat" cmpd="sng" algn="ctr">
+                      <a:solidFill>
+                        <a:schemeClr val="tx1"/>
+                      </a:solidFill>
+                      <a:prstDash val="solid"/>
+                      <a:round/>
+                      <a:headEnd type="none" w="med" len="med"/>
+                      <a:tailEnd type="none" w="med" len="med"/>
+                    </a:lnR>
+                    <a:lnB w="12700" cap="flat" cmpd="sng" algn="ctr">
+                      <a:solidFill>
+                        <a:schemeClr val="tx1"/>
+                      </a:solidFill>
+                      <a:prstDash val="solid"/>
+                      <a:round/>
+                      <a:headEnd type="none" w="med" len="med"/>
+                      <a:tailEnd type="none" w="med" len="med"/>
+                    </a:lnB>
+                  </a:tcPr>
+                </a:tc>
+                <a:extLst>
+                  <a:ext uri="{0D108BD9-81ED-4DB2-BD59-A6C34878D82A}">
+                    <a16:rowId xmlns:a16="http://schemas.microsoft.com/office/drawing/2014/main" val="22068566"/>
+                  </a:ext>
+                </a:extLst>
+              </a:tr>
+            </a:tbl>
+          </a:graphicData>
+        </a:graphic>
+      </p:graphicFrame>
     </p:spTree>
     <p:extLst>
       <p:ext uri="{BB962C8B-B14F-4D97-AF65-F5344CB8AC3E}">
@@ -5225,8 +5785,8 @@
         </p:nvSpPr>
         <p:spPr>
           <a:xfrm>
-            <a:off x="4330522" y="2733470"/>
-            <a:ext cx="3159815" cy="2031325"/>
+            <a:off x="2184771" y="3455476"/>
+            <a:ext cx="7856097" cy="1754326"/>
           </a:xfrm>
           <a:prstGeom prst="rect">
             <a:avLst/>
@@ -5251,7 +5811,22 @@
                   </a:glow>
                 </a:effectLst>
               </a:rPr>
-              <a:t>CES and LAID datasets downloaded as csv, converted to pandas </a:t>
+              <a:t>Download csv datasets</a:t>
+            </a:r>
+          </a:p>
+          <a:p>
+            <a:pPr algn="ctr"/>
+            <a:r>
+              <a:rPr lang="en-US" b="1" dirty="0">
+                <a:effectLst>
+                  <a:glow rad="101600">
+                    <a:schemeClr val="bg1">
+                      <a:alpha val="40000"/>
+                    </a:schemeClr>
+                  </a:glow>
+                </a:effectLst>
+              </a:rPr>
+              <a:t>Python and </a:t>
             </a:r>
             <a:r>
               <a:rPr lang="en-US" b="1" dirty="0" err="1">
@@ -5263,7 +5838,7 @@
                   </a:glow>
                 </a:effectLst>
               </a:rPr>
-              <a:t>dataframe</a:t>
+              <a:t>Jupyter</a:t>
             </a:r>
             <a:r>
               <a:rPr lang="en-US" b="1" dirty="0">
@@ -5275,7 +5850,37 @@
                   </a:glow>
                 </a:effectLst>
               </a:rPr>
-              <a:t>, merged on census tract, convert to </a:t>
+              <a:t> notebook to convert to pandas</a:t>
+            </a:r>
+          </a:p>
+          <a:p>
+            <a:pPr algn="ctr"/>
+            <a:r>
+              <a:rPr lang="en-US" b="1" dirty="0">
+                <a:effectLst>
+                  <a:glow rad="101600">
+                    <a:schemeClr val="bg1">
+                      <a:alpha val="40000"/>
+                    </a:schemeClr>
+                  </a:glow>
+                </a:effectLst>
+              </a:rPr>
+              <a:t>Merge on census tract</a:t>
+            </a:r>
+          </a:p>
+          <a:p>
+            <a:pPr algn="ctr"/>
+            <a:r>
+              <a:rPr lang="en-US" b="1" dirty="0">
+                <a:effectLst>
+                  <a:glow rad="101600">
+                    <a:schemeClr val="bg1">
+                      <a:alpha val="40000"/>
+                    </a:schemeClr>
+                  </a:glow>
+                </a:effectLst>
+              </a:rPr>
+              <a:t>Convert to </a:t>
             </a:r>
             <a:r>
               <a:rPr lang="en-US" b="1" dirty="0" err="1">
@@ -5289,6 +5894,18 @@
               </a:rPr>
               <a:t>geojson</a:t>
             </a:r>
+            <a:endParaRPr lang="en-US" b="1" dirty="0">
+              <a:effectLst>
+                <a:glow rad="101600">
+                  <a:schemeClr val="bg1">
+                    <a:alpha val="40000"/>
+                  </a:schemeClr>
+                </a:glow>
+              </a:effectLst>
+            </a:endParaRPr>
+          </a:p>
+          <a:p>
+            <a:pPr algn="ctr"/>
             <a:r>
               <a:rPr lang="en-US" b="1" dirty="0">
                 <a:effectLst>
@@ -5299,22 +5916,116 @@
                   </a:glow>
                 </a:effectLst>
               </a:rPr>
-              <a:t>, chain data into leaflet and d3</a:t>
-            </a:r>
-          </a:p>
-          <a:p>
-            <a:endParaRPr lang="en-US" dirty="0">
-              <a:effectLst>
-                <a:glow rad="101600">
-                  <a:schemeClr val="bg1">
-                    <a:alpha val="40000"/>
-                  </a:schemeClr>
-                </a:glow>
-              </a:effectLst>
-            </a:endParaRPr>
-          </a:p>
-        </p:txBody>
-      </p:sp>
+              <a:t>Build webpage code</a:t>
+            </a:r>
+          </a:p>
+          <a:p>
+            <a:pPr algn="ctr"/>
+            <a:r>
+              <a:rPr lang="en-US" b="1" dirty="0">
+                <a:effectLst>
+                  <a:glow rad="101600">
+                    <a:schemeClr val="bg1">
+                      <a:alpha val="40000"/>
+                    </a:schemeClr>
+                  </a:glow>
+                </a:effectLst>
+              </a:rPr>
+              <a:t>Chain data into leaflet and d3</a:t>
+            </a:r>
+          </a:p>
+        </p:txBody>
+      </p:sp>
+      <p:sp>
+        <p:nvSpPr>
+          <p:cNvPr id="7" name="Rectangle 6">
+            <a:extLst>
+              <a:ext uri="{FF2B5EF4-FFF2-40B4-BE49-F238E27FC236}">
+                <a16:creationId xmlns:a16="http://schemas.microsoft.com/office/drawing/2014/main" id="{37A5E14E-3495-497E-8D4A-6AD9648917EA}"/>
+              </a:ext>
+            </a:extLst>
+          </p:cNvPr>
+          <p:cNvSpPr/>
+          <p:nvPr/>
+        </p:nvSpPr>
+        <p:spPr>
+          <a:xfrm>
+            <a:off x="1666261" y="1336904"/>
+            <a:ext cx="545342" cy="1569660"/>
+          </a:xfrm>
+          <a:prstGeom prst="rect">
+            <a:avLst/>
+          </a:prstGeom>
+        </p:spPr>
+        <p:txBody>
+          <a:bodyPr wrap="none">
+            <a:spAutoFit/>
+          </a:bodyPr>
+          <a:lstStyle/>
+          <a:p>
+            <a:r>
+              <a:rPr lang="en-US" sz="9600" dirty="0">
+                <a:effectLst>
+                  <a:glow rad="101600">
+                    <a:schemeClr val="bg1">
+                      <a:alpha val="40000"/>
+                    </a:schemeClr>
+                  </a:glow>
+                </a:effectLst>
+              </a:rPr>
+              <a:t>,</a:t>
+            </a:r>
+            <a:r>
+              <a:rPr lang="en-US" dirty="0">
+                <a:effectLst>
+                  <a:glow rad="101600">
+                    <a:schemeClr val="bg1">
+                      <a:alpha val="40000"/>
+                    </a:schemeClr>
+                  </a:glow>
+                </a:effectLst>
+              </a:rPr>
+              <a:t> </a:t>
+            </a:r>
+          </a:p>
+        </p:txBody>
+      </p:sp>
+      <p:pic>
+        <p:nvPicPr>
+          <p:cNvPr id="21" name="Picture 20">
+            <a:extLst>
+              <a:ext uri="{FF2B5EF4-FFF2-40B4-BE49-F238E27FC236}">
+                <a16:creationId xmlns:a16="http://schemas.microsoft.com/office/drawing/2014/main" id="{564E42F0-4104-4733-8FFC-F18EE25CE1BE}"/>
+              </a:ext>
+            </a:extLst>
+          </p:cNvPr>
+          <p:cNvPicPr>
+            <a:picLocks noChangeAspect="1"/>
+          </p:cNvPicPr>
+          <p:nvPr/>
+        </p:nvPicPr>
+        <p:blipFill>
+          <a:blip r:embed="rId4">
+            <a:extLst>
+              <a:ext uri="{28A0092B-C50C-407E-A947-70E740481C1C}">
+                <a14:useLocalDpi xmlns:a14="http://schemas.microsoft.com/office/drawing/2010/main" val="0"/>
+              </a:ext>
+            </a:extLst>
+          </a:blip>
+          <a:stretch>
+            <a:fillRect/>
+          </a:stretch>
+        </p:blipFill>
+        <p:spPr>
+          <a:xfrm>
+            <a:off x="2211603" y="2094319"/>
+            <a:ext cx="7885714" cy="685714"/>
+          </a:xfrm>
+          <a:prstGeom prst="rect">
+            <a:avLst/>
+          </a:prstGeom>
+        </p:spPr>
+      </p:pic>
     </p:spTree>
     <p:extLst>
       <p:ext uri="{BB962C8B-B14F-4D97-AF65-F5344CB8AC3E}">
@@ -5411,17 +6122,18 @@
                 </a:solidFill>
                 <a:latin typeface="Vaporized BB" panose="02000506000000020004" pitchFamily="2" charset="0"/>
               </a:rPr>
-              <a:t>demo</a:t>
-            </a:r>
-          </a:p>
-        </p:txBody>
-      </p:sp>
-      <p:sp>
-        <p:nvSpPr>
-          <p:cNvPr id="3" name="TextBox 2">
+              <a:t>DEMO</a:t>
+            </a:r>
+          </a:p>
+        </p:txBody>
+      </p:sp>
+      <p:sp>
+        <p:nvSpPr>
+          <p:cNvPr id="8" name="TextBox 7">
+            <a:hlinkClick r:id="rId4" action="ppaction://hlinkfile"/>
             <a:extLst>
               <a:ext uri="{FF2B5EF4-FFF2-40B4-BE49-F238E27FC236}">
-                <a16:creationId xmlns:a16="http://schemas.microsoft.com/office/drawing/2014/main" id="{B280A9A1-8E71-4FAC-9A4B-39A587475359}"/>
+                <a16:creationId xmlns:a16="http://schemas.microsoft.com/office/drawing/2014/main" id="{7AFF7E74-67A9-471D-AAFC-E0F18E3F6DA4}"/>
               </a:ext>
             </a:extLst>
           </p:cNvPr>
@@ -5430,7 +6142,7 @@
         </p:nvSpPr>
         <p:spPr>
           <a:xfrm>
-            <a:off x="4275005" y="2314192"/>
+            <a:off x="4516091" y="2405633"/>
             <a:ext cx="3159815" cy="369332"/>
           </a:xfrm>
           <a:prstGeom prst="rect">
@@ -5448,6 +6160,9 @@
             <a:pPr algn="ctr"/>
             <a:r>
               <a:rPr lang="en-US" b="1" dirty="0">
+                <a:solidFill>
+                  <a:schemeClr val="accent1"/>
+                </a:solidFill>
                 <a:effectLst>
                   <a:glow rad="101600">
                     <a:schemeClr val="bg1">
@@ -5456,48 +6171,15 @@
                   </a:glow>
                 </a:effectLst>
               </a:rPr>
-              <a:t>&lt;insert </a:t>
-            </a:r>
-            <a:r>
-              <a:rPr lang="en-US" b="1" dirty="0" err="1">
-                <a:effectLst>
-                  <a:glow rad="101600">
-                    <a:schemeClr val="bg1">
-                      <a:alpha val="40000"/>
-                    </a:schemeClr>
-                  </a:glow>
-                </a:effectLst>
-              </a:rPr>
-              <a:t>url</a:t>
-            </a:r>
-            <a:r>
-              <a:rPr lang="en-US" b="1" dirty="0">
-                <a:effectLst>
-                  <a:glow rad="101600">
-                    <a:schemeClr val="bg1">
-                      <a:alpha val="40000"/>
-                    </a:schemeClr>
-                  </a:glow>
-                </a:effectLst>
-              </a:rPr>
-              <a:t>&gt;</a:t>
-            </a:r>
-            <a:endParaRPr lang="en-US" dirty="0">
-              <a:effectLst>
-                <a:glow rad="101600">
-                  <a:schemeClr val="bg1">
-                    <a:alpha val="40000"/>
-                  </a:schemeClr>
-                </a:glow>
-              </a:effectLst>
-            </a:endParaRPr>
+              <a:t>Click Me!</a:t>
+            </a:r>
           </a:p>
         </p:txBody>
       </p:sp>
     </p:spTree>
     <p:extLst>
       <p:ext uri="{BB962C8B-B14F-4D97-AF65-F5344CB8AC3E}">
-        <p14:creationId xmlns:p14="http://schemas.microsoft.com/office/powerpoint/2010/main" val="3479728576"/>
+        <p14:creationId xmlns:p14="http://schemas.microsoft.com/office/powerpoint/2010/main" val="2611938743"/>
       </p:ext>
     </p:extLst>
   </p:cSld>
@@ -5791,8 +6473,8 @@
         </p:nvSpPr>
         <p:spPr>
           <a:xfrm>
-            <a:off x="6913702" y="2967335"/>
-            <a:ext cx="3159815" cy="3139321"/>
+            <a:off x="7019111" y="2228670"/>
+            <a:ext cx="3159815" cy="1200329"/>
           </a:xfrm>
           <a:prstGeom prst="rect">
             <a:avLst/>
@@ -5817,7 +6499,7 @@
                   </a:glow>
                 </a:effectLst>
               </a:rPr>
-              <a:t>US cities not listed among 500 most polluted cities worldwide</a:t>
+              <a:t>Source different timeframes to observe trends over time</a:t>
             </a:r>
           </a:p>
           <a:p>
@@ -5844,7 +6526,65 @@
                   </a:glow>
                 </a:effectLst>
               </a:rPr>
-              <a:t>Look into asthma data for those cities</a:t>
+              <a:t>Explore intervening solutions</a:t>
+            </a:r>
+          </a:p>
+        </p:txBody>
+      </p:sp>
+      <p:sp>
+        <p:nvSpPr>
+          <p:cNvPr id="2" name="Rectangle 1">
+            <a:extLst>
+              <a:ext uri="{FF2B5EF4-FFF2-40B4-BE49-F238E27FC236}">
+                <a16:creationId xmlns:a16="http://schemas.microsoft.com/office/drawing/2014/main" id="{E1729B4D-5898-49F6-BA2F-3F3CB6A191E7}"/>
+              </a:ext>
+            </a:extLst>
+          </p:cNvPr>
+          <p:cNvSpPr/>
+          <p:nvPr/>
+        </p:nvSpPr>
+        <p:spPr>
+          <a:xfrm>
+            <a:off x="613954" y="2367170"/>
+            <a:ext cx="4558937" cy="1200329"/>
+          </a:xfrm>
+          <a:prstGeom prst="rect">
+            <a:avLst/>
+          </a:prstGeom>
+        </p:spPr>
+        <p:txBody>
+          <a:bodyPr wrap="square">
+            <a:spAutoFit/>
+          </a:bodyPr>
+          <a:lstStyle/>
+          <a:p>
+            <a:pPr algn="ctr"/>
+            <a:r>
+              <a:rPr lang="en-US" b="1" dirty="0">
+                <a:effectLst>
+                  <a:glow rad="101600">
+                    <a:schemeClr val="bg1">
+                      <a:alpha val="40000"/>
+                    </a:schemeClr>
+                  </a:glow>
+                </a:effectLst>
+              </a:rPr>
+              <a:t>Look into asthma data for top 500 </a:t>
+            </a:r>
+          </a:p>
+          <a:p>
+            <a:pPr algn="ctr"/>
+            <a:r>
+              <a:rPr lang="en-US" b="1" dirty="0">
+                <a:effectLst>
+                  <a:glow rad="101600">
+                    <a:schemeClr val="bg1">
+                      <a:alpha val="40000"/>
+                    </a:schemeClr>
+                  </a:glow>
+                </a:effectLst>
+              </a:rPr>
+              <a:t>polluted cities worldwide</a:t>
             </a:r>
           </a:p>
           <a:p>
@@ -5871,34 +6611,7 @@
                   </a:glow>
                 </a:effectLst>
               </a:rPr>
-              <a:t>Explore trends over time using datasets from different timeframes</a:t>
-            </a:r>
-          </a:p>
-          <a:p>
-            <a:pPr algn="ctr"/>
-            <a:endParaRPr lang="en-US" b="1" dirty="0">
-              <a:effectLst>
-                <a:glow rad="101600">
-                  <a:schemeClr val="bg1">
-                    <a:alpha val="40000"/>
-                  </a:schemeClr>
-                </a:glow>
-              </a:effectLst>
-            </a:endParaRPr>
-          </a:p>
-          <a:p>
-            <a:pPr algn="ctr"/>
-            <a:r>
-              <a:rPr lang="en-US" b="1" dirty="0">
-                <a:effectLst>
-                  <a:glow rad="101600">
-                    <a:schemeClr val="bg1">
-                      <a:alpha val="40000"/>
-                    </a:schemeClr>
-                  </a:glow>
-                </a:effectLst>
-              </a:rPr>
-              <a:t>Explore intervening solutions</a:t>
+              <a:t>No US city listed in rankings</a:t>
             </a:r>
           </a:p>
         </p:txBody>

--- a/presentation.pptx
+++ b/presentation.pptx
@@ -4416,7 +4416,7 @@
         <p:spPr>
           <a:xfrm>
             <a:off x="4673670" y="2690336"/>
-            <a:ext cx="3159815" cy="369332"/>
+            <a:ext cx="3159815" cy="646331"/>
           </a:xfrm>
           <a:prstGeom prst="rect">
             <a:avLst/>
@@ -4441,120 +4441,8 @@
                   </a:glow>
                 </a:effectLst>
               </a:rPr>
-              <a:t>Metrics to analyze:</a:t>
-            </a:r>
-          </a:p>
-        </p:txBody>
-      </p:sp>
-      <p:sp>
-        <p:nvSpPr>
-          <p:cNvPr id="5" name="TextBox 4">
-            <a:extLst>
-              <a:ext uri="{FF2B5EF4-FFF2-40B4-BE49-F238E27FC236}">
-                <a16:creationId xmlns:a16="http://schemas.microsoft.com/office/drawing/2014/main" id="{DAD73093-18B3-4FF8-83E7-D801E1446C28}"/>
-              </a:ext>
-            </a:extLst>
-          </p:cNvPr>
-          <p:cNvSpPr txBox="1"/>
-          <p:nvPr/>
-        </p:nvSpPr>
-        <p:spPr>
-          <a:xfrm>
-            <a:off x="1513855" y="5001075"/>
-            <a:ext cx="3159815" cy="1477328"/>
-          </a:xfrm>
-          <a:prstGeom prst="rect">
-            <a:avLst/>
-          </a:prstGeom>
-          <a:noFill/>
-          <a:effectLst/>
-        </p:spPr>
-        <p:txBody>
-          <a:bodyPr wrap="square" rtlCol="0">
-            <a:spAutoFit/>
-          </a:bodyPr>
-          <a:lstStyle/>
-          <a:p>
-            <a:pPr algn="ctr"/>
-            <a:r>
-              <a:rPr lang="en-US" b="1" dirty="0">
-                <a:effectLst>
-                  <a:glow rad="101600">
-                    <a:schemeClr val="bg1">
-                      <a:alpha val="40000"/>
-                    </a:schemeClr>
-                  </a:glow>
-                </a:effectLst>
-              </a:rPr>
-              <a:t>Determine any correlations, visualize data in heat map and charts, identify most and least polluted areas in Cali</a:t>
-            </a:r>
-          </a:p>
-          <a:p>
-            <a:endParaRPr lang="en-US" dirty="0">
-              <a:effectLst>
-                <a:glow rad="101600">
-                  <a:schemeClr val="bg1">
-                    <a:alpha val="40000"/>
-                  </a:schemeClr>
-                </a:glow>
-              </a:effectLst>
-            </a:endParaRPr>
-          </a:p>
-        </p:txBody>
-      </p:sp>
-      <p:sp>
-        <p:nvSpPr>
-          <p:cNvPr id="7" name="TextBox 6">
-            <a:extLst>
-              <a:ext uri="{FF2B5EF4-FFF2-40B4-BE49-F238E27FC236}">
-                <a16:creationId xmlns:a16="http://schemas.microsoft.com/office/drawing/2014/main" id="{C852913C-F8AF-4F40-9D87-D8C4B8132804}"/>
-              </a:ext>
-            </a:extLst>
-          </p:cNvPr>
-          <p:cNvSpPr txBox="1"/>
-          <p:nvPr/>
-        </p:nvSpPr>
-        <p:spPr>
-          <a:xfrm>
-            <a:off x="7293093" y="5520069"/>
-            <a:ext cx="3159815" cy="923330"/>
-          </a:xfrm>
-          <a:prstGeom prst="rect">
-            <a:avLst/>
-          </a:prstGeom>
-          <a:noFill/>
-          <a:effectLst/>
-        </p:spPr>
-        <p:txBody>
-          <a:bodyPr wrap="square" rtlCol="0">
-            <a:spAutoFit/>
-          </a:bodyPr>
-          <a:lstStyle/>
-          <a:p>
-            <a:pPr algn="ctr"/>
-            <a:r>
-              <a:rPr lang="en-US" b="1" dirty="0">
-                <a:effectLst>
-                  <a:glow rad="101600">
-                    <a:schemeClr val="bg1">
-                      <a:alpha val="40000"/>
-                    </a:schemeClr>
-                  </a:glow>
-                </a:effectLst>
-              </a:rPr>
-              <a:t>Compare with affordability statistics</a:t>
-            </a:r>
-          </a:p>
-          <a:p>
-            <a:endParaRPr lang="en-US" dirty="0">
-              <a:effectLst>
-                <a:glow rad="101600">
-                  <a:schemeClr val="bg1">
-                    <a:alpha val="40000"/>
-                  </a:schemeClr>
-                </a:glow>
-              </a:effectLst>
-            </a:endParaRPr>
+              <a:t>For different locations in CA, compare the following:</a:t>
+            </a:r>
           </a:p>
         </p:txBody>
       </p:sp>
@@ -4573,7 +4461,7 @@
         <p:spPr>
           <a:xfrm>
             <a:off x="1777629" y="3212570"/>
-            <a:ext cx="2001959" cy="1200329"/>
+            <a:ext cx="2001958" cy="923330"/>
           </a:xfrm>
           <a:prstGeom prst="rect">
             <a:avLst/>
@@ -4638,24 +4526,6 @@
               <a:t>Pollen</a:t>
             </a:r>
           </a:p>
-          <a:p>
-            <a:pPr marL="285750" indent="-285750">
-              <a:buFont typeface="Arial" panose="020B0604020202020204" pitchFamily="34" charset="0"/>
-              <a:buChar char="•"/>
-            </a:pPr>
-            <a:r>
-              <a:rPr lang="en-US" b="1" dirty="0">
-                <a:effectLst>
-                  <a:glow rad="101600">
-                    <a:schemeClr val="bg1">
-                      <a:alpha val="40000"/>
-                    </a:schemeClr>
-                  </a:glow>
-                </a:effectLst>
-              </a:rPr>
-              <a:t>Smoking Laws </a:t>
-            </a:r>
-          </a:p>
         </p:txBody>
       </p:sp>
       <p:sp>
@@ -4672,7 +4542,7 @@
         </p:nvSpPr>
         <p:spPr>
           <a:xfrm>
-            <a:off x="5214062" y="3059668"/>
+            <a:off x="4919161" y="3453920"/>
             <a:ext cx="2914324" cy="1477328"/>
           </a:xfrm>
           <a:prstGeom prst="rect">

--- a/presentation.pptx
+++ b/presentation.pptx
@@ -15,7 +15,6 @@
     <p:sldId id="269" r:id="rId9"/>
     <p:sldId id="268" r:id="rId10"/>
     <p:sldId id="270" r:id="rId11"/>
-    <p:sldId id="262" r:id="rId12"/>
   </p:sldIdLst>
   <p:sldSz cx="12192000" cy="6858000"/>
   <p:notesSz cx="6858000" cy="9144000"/>
@@ -3034,7 +3033,7 @@
           <a:p>
             <a:pPr algn="ctr"/>
             <a:r>
-              <a:rPr lang="en-US" sz="11000" dirty="0" err="1">
+              <a:rPr lang="en-US" sz="11000" dirty="0">
                 <a:solidFill>
                   <a:schemeClr val="bg1">
                     <a:lumMod val="75000"/>
@@ -3043,17 +3042,8 @@
                 </a:solidFill>
                 <a:latin typeface="Vaporized BB" panose="02000506000000020004" pitchFamily="2" charset="0"/>
               </a:rPr>
-              <a:t>Asthmap</a:t>
-            </a:r>
-            <a:endParaRPr lang="en-US" sz="11000" dirty="0">
-              <a:solidFill>
-                <a:schemeClr val="bg1">
-                  <a:lumMod val="75000"/>
-                  <a:alpha val="50000"/>
-                </a:schemeClr>
-              </a:solidFill>
-              <a:latin typeface="Vaporized BB" panose="02000506000000020004" pitchFamily="2" charset="0"/>
-            </a:endParaRPr>
+              <a:t>CALIPOLLUTS</a:t>
+            </a:r>
           </a:p>
         </p:txBody>
       </p:sp>
@@ -3406,7 +3396,7 @@
         </p:nvSpPr>
         <p:spPr>
           <a:xfrm>
-            <a:off x="1042070" y="1919593"/>
+            <a:off x="1159637" y="2423686"/>
             <a:ext cx="3159815" cy="1200329"/>
           </a:xfrm>
           <a:prstGeom prst="rect">
@@ -3642,187 +3632,6 @@
     <p:extLst>
       <p:ext uri="{BB962C8B-B14F-4D97-AF65-F5344CB8AC3E}">
         <p14:creationId xmlns:p14="http://schemas.microsoft.com/office/powerpoint/2010/main" val="2498202251"/>
-      </p:ext>
-    </p:extLst>
-  </p:cSld>
-  <p:clrMapOvr>
-    <a:masterClrMapping/>
-  </p:clrMapOvr>
-</p:sld>
-</file>
-
-<file path=ppt/slides/slide11.xml><?xml version="1.0" encoding="utf-8"?>
-<p:sld xmlns:a="http://schemas.openxmlformats.org/drawingml/2006/main" xmlns:r="http://schemas.openxmlformats.org/officeDocument/2006/relationships" xmlns:p="http://schemas.openxmlformats.org/presentationml/2006/main">
-  <p:cSld>
-    <p:spTree>
-      <p:nvGrpSpPr>
-        <p:cNvPr id="1" name=""/>
-        <p:cNvGrpSpPr/>
-        <p:nvPr/>
-      </p:nvGrpSpPr>
-      <p:grpSpPr>
-        <a:xfrm>
-          <a:off x="0" y="0"/>
-          <a:ext cx="0" cy="0"/>
-          <a:chOff x="0" y="0"/>
-          <a:chExt cx="0" cy="0"/>
-        </a:xfrm>
-      </p:grpSpPr>
-      <p:pic>
-        <p:nvPicPr>
-          <p:cNvPr id="5" name="Picture 4">
-            <a:extLst>
-              <a:ext uri="{FF2B5EF4-FFF2-40B4-BE49-F238E27FC236}">
-                <a16:creationId xmlns:a16="http://schemas.microsoft.com/office/drawing/2014/main" id="{4D7FF238-9F54-43DC-B18D-4EFCF8454C90}"/>
-              </a:ext>
-            </a:extLst>
-          </p:cNvPr>
-          <p:cNvPicPr>
-            <a:picLocks noChangeAspect="1"/>
-          </p:cNvPicPr>
-          <p:nvPr/>
-        </p:nvPicPr>
-        <p:blipFill>
-          <a:blip r:embed="rId2">
-            <a:extLst>
-              <a:ext uri="{28A0092B-C50C-407E-A947-70E740481C1C}">
-                <a14:useLocalDpi xmlns:a14="http://schemas.microsoft.com/office/drawing/2010/main" val="0"/>
-              </a:ext>
-            </a:extLst>
-          </a:blip>
-          <a:stretch>
-            <a:fillRect/>
-          </a:stretch>
-        </p:blipFill>
-        <p:spPr>
-          <a:xfrm>
-            <a:off x="2619375" y="1109662"/>
-            <a:ext cx="6953250" cy="4638675"/>
-          </a:xfrm>
-          <a:prstGeom prst="rect">
-            <a:avLst/>
-          </a:prstGeom>
-        </p:spPr>
-      </p:pic>
-      <p:pic>
-        <p:nvPicPr>
-          <p:cNvPr id="7" name="Picture 6">
-            <a:extLst>
-              <a:ext uri="{FF2B5EF4-FFF2-40B4-BE49-F238E27FC236}">
-                <a16:creationId xmlns:a16="http://schemas.microsoft.com/office/drawing/2014/main" id="{E438E36A-578A-4026-8E60-B4B87A52F5DF}"/>
-              </a:ext>
-            </a:extLst>
-          </p:cNvPr>
-          <p:cNvPicPr>
-            <a:picLocks noChangeAspect="1"/>
-          </p:cNvPicPr>
-          <p:nvPr/>
-        </p:nvPicPr>
-        <p:blipFill>
-          <a:blip r:embed="rId3">
-            <a:extLst>
-              <a:ext uri="{28A0092B-C50C-407E-A947-70E740481C1C}">
-                <a14:useLocalDpi xmlns:a14="http://schemas.microsoft.com/office/drawing/2010/main" val="0"/>
-              </a:ext>
-            </a:extLst>
-          </a:blip>
-          <a:stretch>
-            <a:fillRect/>
-          </a:stretch>
-        </p:blipFill>
-        <p:spPr>
-          <a:xfrm>
-            <a:off x="858644" y="1592766"/>
-            <a:ext cx="2133600" cy="1524000"/>
-          </a:xfrm>
-          <a:prstGeom prst="rect">
-            <a:avLst/>
-          </a:prstGeom>
-        </p:spPr>
-      </p:pic>
-      <p:pic>
-        <p:nvPicPr>
-          <p:cNvPr id="9" name="Picture 8">
-            <a:extLst>
-              <a:ext uri="{FF2B5EF4-FFF2-40B4-BE49-F238E27FC236}">
-                <a16:creationId xmlns:a16="http://schemas.microsoft.com/office/drawing/2014/main" id="{627F1DAE-F5E1-41D1-B568-68433ACF504B}"/>
-              </a:ext>
-            </a:extLst>
-          </p:cNvPr>
-          <p:cNvPicPr>
-            <a:picLocks noChangeAspect="1"/>
-          </p:cNvPicPr>
-          <p:nvPr/>
-        </p:nvPicPr>
-        <p:blipFill>
-          <a:blip r:embed="rId4">
-            <a:extLst>
-              <a:ext uri="{28A0092B-C50C-407E-A947-70E740481C1C}">
-                <a14:useLocalDpi xmlns:a14="http://schemas.microsoft.com/office/drawing/2010/main" val="0"/>
-              </a:ext>
-            </a:extLst>
-          </a:blip>
-          <a:stretch>
-            <a:fillRect/>
-          </a:stretch>
-        </p:blipFill>
-        <p:spPr>
-          <a:xfrm>
-            <a:off x="3609975" y="262920"/>
-            <a:ext cx="5962650" cy="4762500"/>
-          </a:xfrm>
-          <a:prstGeom prst="rect">
-            <a:avLst/>
-          </a:prstGeom>
-        </p:spPr>
-      </p:pic>
-      <p:sp>
-        <p:nvSpPr>
-          <p:cNvPr id="2" name="Rectangle 1">
-            <a:extLst>
-              <a:ext uri="{FF2B5EF4-FFF2-40B4-BE49-F238E27FC236}">
-                <a16:creationId xmlns:a16="http://schemas.microsoft.com/office/drawing/2014/main" id="{3859E3E7-7D9F-4D2C-BF86-58272193022B}"/>
-              </a:ext>
-            </a:extLst>
-          </p:cNvPr>
-          <p:cNvSpPr/>
-          <p:nvPr/>
-        </p:nvSpPr>
-        <p:spPr>
-          <a:xfrm>
-            <a:off x="3218104" y="2644170"/>
-            <a:ext cx="5755806" cy="1569660"/>
-          </a:xfrm>
-          <a:prstGeom prst="rect">
-            <a:avLst/>
-          </a:prstGeom>
-        </p:spPr>
-        <p:txBody>
-          <a:bodyPr wrap="none">
-            <a:spAutoFit/>
-          </a:bodyPr>
-          <a:lstStyle/>
-          <a:p>
-            <a:pPr algn="ctr"/>
-            <a:r>
-              <a:rPr lang="en-US" sz="9600" dirty="0">
-                <a:solidFill>
-                  <a:schemeClr val="bg1">
-                    <a:lumMod val="75000"/>
-                    <a:alpha val="50000"/>
-                  </a:schemeClr>
-                </a:solidFill>
-                <a:latin typeface="Vaporized BB" panose="02000506000000020004" pitchFamily="2" charset="0"/>
-              </a:rPr>
-              <a:t>QUESTIONS?</a:t>
-            </a:r>
-          </a:p>
-        </p:txBody>
-      </p:sp>
-    </p:spTree>
-    <p:extLst>
-      <p:ext uri="{BB962C8B-B14F-4D97-AF65-F5344CB8AC3E}">
-        <p14:creationId xmlns:p14="http://schemas.microsoft.com/office/powerpoint/2010/main" val="1726664223"/>
       </p:ext>
     </p:extLst>
   </p:cSld>
@@ -4370,7 +4179,7 @@
         </p:nvSpPr>
         <p:spPr>
           <a:xfrm>
-            <a:off x="1198702" y="2690336"/>
+            <a:off x="2085442" y="2690336"/>
             <a:ext cx="3159815" cy="369332"/>
           </a:xfrm>
           <a:prstGeom prst="rect">
@@ -4415,7 +4224,7 @@
         </p:nvSpPr>
         <p:spPr>
           <a:xfrm>
-            <a:off x="4673670" y="2690336"/>
+            <a:off x="6701253" y="2413337"/>
             <a:ext cx="3159815" cy="646331"/>
           </a:xfrm>
           <a:prstGeom prst="rect">
@@ -4460,7 +4269,7 @@
         </p:nvSpPr>
         <p:spPr>
           <a:xfrm>
-            <a:off x="1777629" y="3212570"/>
+            <a:off x="2664369" y="3212570"/>
             <a:ext cx="2001958" cy="923330"/>
           </a:xfrm>
           <a:prstGeom prst="rect">
@@ -4542,7 +4351,7 @@
         </p:nvSpPr>
         <p:spPr>
           <a:xfrm>
-            <a:off x="4919161" y="3453920"/>
+            <a:off x="6946744" y="3176921"/>
             <a:ext cx="2914324" cy="1477328"/>
           </a:xfrm>
           <a:prstGeom prst="rect">
@@ -6147,87 +5956,6 @@
           </a:p>
         </p:txBody>
       </p:sp>
-      <p:sp>
-        <p:nvSpPr>
-          <p:cNvPr id="4" name="TextBox 3">
-            <a:extLst>
-              <a:ext uri="{FF2B5EF4-FFF2-40B4-BE49-F238E27FC236}">
-                <a16:creationId xmlns:a16="http://schemas.microsoft.com/office/drawing/2014/main" id="{6BC38377-A66B-4E88-BA83-01038B7FD0D8}"/>
-              </a:ext>
-            </a:extLst>
-          </p:cNvPr>
-          <p:cNvSpPr txBox="1"/>
-          <p:nvPr/>
-        </p:nvSpPr>
-        <p:spPr>
-          <a:xfrm>
-            <a:off x="6913702" y="2967335"/>
-            <a:ext cx="3159815" cy="923330"/>
-          </a:xfrm>
-          <a:prstGeom prst="rect">
-            <a:avLst/>
-          </a:prstGeom>
-          <a:noFill/>
-          <a:effectLst/>
-        </p:spPr>
-        <p:txBody>
-          <a:bodyPr wrap="square" rtlCol="0">
-            <a:spAutoFit/>
-          </a:bodyPr>
-          <a:lstStyle/>
-          <a:p>
-            <a:pPr algn="ctr"/>
-            <a:r>
-              <a:rPr lang="en-US" b="1" dirty="0">
-                <a:effectLst>
-                  <a:glow rad="101600">
-                    <a:schemeClr val="bg1">
-                      <a:alpha val="40000"/>
-                    </a:schemeClr>
-                  </a:glow>
-                </a:effectLst>
-              </a:rPr>
-              <a:t>What we learned…</a:t>
-            </a:r>
-          </a:p>
-          <a:p>
-            <a:pPr algn="ctr"/>
-            <a:endParaRPr lang="en-US" b="1" dirty="0">
-              <a:effectLst>
-                <a:glow rad="101600">
-                  <a:schemeClr val="bg1">
-                    <a:alpha val="40000"/>
-                  </a:schemeClr>
-                </a:glow>
-              </a:effectLst>
-            </a:endParaRPr>
-          </a:p>
-          <a:p>
-            <a:pPr algn="ctr"/>
-            <a:r>
-              <a:rPr lang="en-US" b="1" dirty="0">
-                <a:effectLst>
-                  <a:glow rad="101600">
-                    <a:schemeClr val="bg1">
-                      <a:alpha val="40000"/>
-                    </a:schemeClr>
-                  </a:glow>
-                </a:effectLst>
-              </a:rPr>
-              <a:t>How is data applicable</a:t>
-            </a:r>
-            <a:endParaRPr lang="en-US" dirty="0">
-              <a:effectLst>
-                <a:glow rad="101600">
-                  <a:schemeClr val="bg1">
-                    <a:alpha val="40000"/>
-                  </a:schemeClr>
-                </a:glow>
-              </a:effectLst>
-            </a:endParaRPr>
-          </a:p>
-        </p:txBody>
-      </p:sp>
     </p:spTree>
     <p:extLst>
       <p:ext uri="{BB962C8B-B14F-4D97-AF65-F5344CB8AC3E}">
@@ -6343,7 +6071,7 @@
         </p:nvSpPr>
         <p:spPr>
           <a:xfrm>
-            <a:off x="7019111" y="2228670"/>
+            <a:off x="6913093" y="2228669"/>
             <a:ext cx="3159815" cy="1200329"/>
           </a:xfrm>
           <a:prstGeom prst="rect">
@@ -6415,7 +6143,7 @@
         </p:nvSpPr>
         <p:spPr>
           <a:xfrm>
-            <a:off x="613954" y="2367170"/>
+            <a:off x="1537062" y="2228670"/>
             <a:ext cx="4558937" cy="1200329"/>
           </a:xfrm>
           <a:prstGeom prst="rect">

--- a/presentation.pptx
+++ b/presentation.pptx
@@ -3160,8 +3160,8 @@
         </p:nvSpPr>
         <p:spPr>
           <a:xfrm>
-            <a:off x="3785644" y="2406744"/>
-            <a:ext cx="4622355" cy="400110"/>
+            <a:off x="2074316" y="2287476"/>
+            <a:ext cx="8045023" cy="400110"/>
           </a:xfrm>
           <a:prstGeom prst="rect">
             <a:avLst/>
@@ -3183,100 +3183,7 @@
                   </a:schemeClr>
                 </a:solidFill>
               </a:rPr>
-              <a:t>Exploring possible relationships between: </a:t>
-            </a:r>
-          </a:p>
-        </p:txBody>
-      </p:sp>
-      <p:sp>
-        <p:nvSpPr>
-          <p:cNvPr id="4" name="TextBox 3">
-            <a:extLst>
-              <a:ext uri="{FF2B5EF4-FFF2-40B4-BE49-F238E27FC236}">
-                <a16:creationId xmlns:a16="http://schemas.microsoft.com/office/drawing/2014/main" id="{389FBEFF-4C83-4E2E-8622-59181C7477E8}"/>
-              </a:ext>
-            </a:extLst>
-          </p:cNvPr>
-          <p:cNvSpPr txBox="1"/>
-          <p:nvPr/>
-        </p:nvSpPr>
-        <p:spPr>
-          <a:xfrm>
-            <a:off x="5215951" y="2878218"/>
-            <a:ext cx="1760097" cy="1200329"/>
-          </a:xfrm>
-          <a:prstGeom prst="rect">
-            <a:avLst/>
-          </a:prstGeom>
-          <a:noFill/>
-        </p:spPr>
-        <p:txBody>
-          <a:bodyPr wrap="none" rtlCol="0">
-            <a:spAutoFit/>
-          </a:bodyPr>
-          <a:lstStyle/>
-          <a:p>
-            <a:pPr marL="285750" indent="-285750">
-              <a:buFont typeface="Arial" panose="020B0604020202020204" pitchFamily="34" charset="0"/>
-              <a:buChar char="•"/>
-            </a:pPr>
-            <a:r>
-              <a:rPr lang="en-US" dirty="0">
-                <a:solidFill>
-                  <a:schemeClr val="bg1">
-                    <a:lumMod val="95000"/>
-                  </a:schemeClr>
-                </a:solidFill>
-              </a:rPr>
-              <a:t>traffic density</a:t>
-            </a:r>
-          </a:p>
-          <a:p>
-            <a:pPr marL="285750" indent="-285750">
-              <a:buFont typeface="Arial" panose="020B0604020202020204" pitchFamily="34" charset="0"/>
-              <a:buChar char="•"/>
-            </a:pPr>
-            <a:r>
-              <a:rPr lang="en-US" dirty="0">
-                <a:solidFill>
-                  <a:schemeClr val="bg1">
-                    <a:lumMod val="95000"/>
-                  </a:schemeClr>
-                </a:solidFill>
-              </a:rPr>
-              <a:t>pollution</a:t>
-            </a:r>
-          </a:p>
-          <a:p>
-            <a:pPr marL="285750" indent="-285750">
-              <a:buFont typeface="Arial" panose="020B0604020202020204" pitchFamily="34" charset="0"/>
-              <a:buChar char="•"/>
-            </a:pPr>
-            <a:r>
-              <a:rPr lang="en-US" dirty="0">
-                <a:solidFill>
-                  <a:schemeClr val="bg1">
-                    <a:lumMod val="95000"/>
-                  </a:schemeClr>
-                </a:solidFill>
-              </a:rPr>
-              <a:t>asthma</a:t>
-            </a:r>
-          </a:p>
-          <a:p>
-            <a:pPr marL="285750" indent="-285750">
-              <a:buFont typeface="Arial" panose="020B0604020202020204" pitchFamily="34" charset="0"/>
-              <a:buChar char="•"/>
-            </a:pPr>
-            <a:r>
-              <a:rPr lang="en-US" dirty="0">
-                <a:solidFill>
-                  <a:schemeClr val="bg1">
-                    <a:lumMod val="95000"/>
-                  </a:schemeClr>
-                </a:solidFill>
-              </a:rPr>
-              <a:t>poverty</a:t>
+              <a:t>Exploring possible relationships between traffic, pollution, asthma, poverty </a:t>
             </a:r>
           </a:p>
         </p:txBody>
@@ -4074,6 +3981,171 @@
   <p:clrMapOvr>
     <a:masterClrMapping/>
   </p:clrMapOvr>
+  <p:timing>
+    <p:tnLst>
+      <p:par>
+        <p:cTn id="1" dur="indefinite" restart="never" nodeType="tmRoot">
+          <p:childTnLst>
+            <p:seq concurrent="1" nextAc="seek">
+              <p:cTn id="2" dur="indefinite" nodeType="mainSeq">
+                <p:childTnLst>
+                  <p:par>
+                    <p:cTn id="3" fill="hold">
+                      <p:stCondLst>
+                        <p:cond delay="indefinite"/>
+                      </p:stCondLst>
+                      <p:childTnLst>
+                        <p:par>
+                          <p:cTn id="4" fill="hold">
+                            <p:stCondLst>
+                              <p:cond delay="0"/>
+                            </p:stCondLst>
+                            <p:childTnLst>
+                              <p:par>
+                                <p:cTn id="5" presetID="1" presetClass="entr" presetSubtype="0" fill="hold" nodeType="clickEffect">
+                                  <p:stCondLst>
+                                    <p:cond delay="0"/>
+                                  </p:stCondLst>
+                                  <p:childTnLst>
+                                    <p:set>
+                                      <p:cBhvr>
+                                        <p:cTn id="6" dur="1" fill="hold">
+                                          <p:stCondLst>
+                                            <p:cond delay="0"/>
+                                          </p:stCondLst>
+                                        </p:cTn>
+                                        <p:tgtEl>
+                                          <p:spTgt spid="27"/>
+                                        </p:tgtEl>
+                                        <p:attrNameLst>
+                                          <p:attrName>style.visibility</p:attrName>
+                                        </p:attrNameLst>
+                                      </p:cBhvr>
+                                      <p:to>
+                                        <p:strVal val="visible"/>
+                                      </p:to>
+                                    </p:set>
+                                  </p:childTnLst>
+                                </p:cTn>
+                              </p:par>
+                            </p:childTnLst>
+                          </p:cTn>
+                        </p:par>
+                      </p:childTnLst>
+                    </p:cTn>
+                  </p:par>
+                  <p:par>
+                    <p:cTn id="7" fill="hold">
+                      <p:stCondLst>
+                        <p:cond delay="indefinite"/>
+                      </p:stCondLst>
+                      <p:childTnLst>
+                        <p:par>
+                          <p:cTn id="8" fill="hold">
+                            <p:stCondLst>
+                              <p:cond delay="0"/>
+                            </p:stCondLst>
+                            <p:childTnLst>
+                              <p:par>
+                                <p:cTn id="9" presetID="1" presetClass="entr" presetSubtype="0" fill="hold" nodeType="clickEffect">
+                                  <p:stCondLst>
+                                    <p:cond delay="0"/>
+                                  </p:stCondLst>
+                                  <p:childTnLst>
+                                    <p:set>
+                                      <p:cBhvr>
+                                        <p:cTn id="10" dur="1" fill="hold">
+                                          <p:stCondLst>
+                                            <p:cond delay="0"/>
+                                          </p:stCondLst>
+                                        </p:cTn>
+                                        <p:tgtEl>
+                                          <p:spTgt spid="28"/>
+                                        </p:tgtEl>
+                                        <p:attrNameLst>
+                                          <p:attrName>style.visibility</p:attrName>
+                                        </p:attrNameLst>
+                                      </p:cBhvr>
+                                      <p:to>
+                                        <p:strVal val="visible"/>
+                                      </p:to>
+                                    </p:set>
+                                  </p:childTnLst>
+                                </p:cTn>
+                              </p:par>
+                            </p:childTnLst>
+                          </p:cTn>
+                        </p:par>
+                      </p:childTnLst>
+                    </p:cTn>
+                  </p:par>
+                  <p:par>
+                    <p:cTn id="11" fill="hold">
+                      <p:stCondLst>
+                        <p:cond delay="indefinite"/>
+                      </p:stCondLst>
+                      <p:childTnLst>
+                        <p:par>
+                          <p:cTn id="12" fill="hold">
+                            <p:stCondLst>
+                              <p:cond delay="0"/>
+                            </p:stCondLst>
+                            <p:childTnLst>
+                              <p:par>
+                                <p:cTn id="13" presetID="1" presetClass="entr" presetSubtype="0" fill="hold" nodeType="clickEffect">
+                                  <p:stCondLst>
+                                    <p:cond delay="0"/>
+                                  </p:stCondLst>
+                                  <p:childTnLst>
+                                    <p:set>
+                                      <p:cBhvr>
+                                        <p:cTn id="14" dur="1" fill="hold">
+                                          <p:stCondLst>
+                                            <p:cond delay="0"/>
+                                          </p:stCondLst>
+                                        </p:cTn>
+                                        <p:tgtEl>
+                                          <p:spTgt spid="26"/>
+                                        </p:tgtEl>
+                                        <p:attrNameLst>
+                                          <p:attrName>style.visibility</p:attrName>
+                                        </p:attrNameLst>
+                                      </p:cBhvr>
+                                      <p:to>
+                                        <p:strVal val="visible"/>
+                                      </p:to>
+                                    </p:set>
+                                  </p:childTnLst>
+                                </p:cTn>
+                              </p:par>
+                            </p:childTnLst>
+                          </p:cTn>
+                        </p:par>
+                      </p:childTnLst>
+                    </p:cTn>
+                  </p:par>
+                </p:childTnLst>
+              </p:cTn>
+              <p:prevCondLst>
+                <p:cond evt="onPrev" delay="0">
+                  <p:tgtEl>
+                    <p:sldTgt/>
+                  </p:tgtEl>
+                </p:cond>
+              </p:prevCondLst>
+              <p:nextCondLst>
+                <p:cond evt="onNext" delay="0">
+                  <p:tgtEl>
+                    <p:sldTgt/>
+                  </p:tgtEl>
+                </p:cond>
+              </p:nextCondLst>
+            </p:seq>
+          </p:childTnLst>
+        </p:cTn>
+      </p:par>
+    </p:tnLst>
+  </p:timing>
 </p:sld>
 </file>
 
@@ -4179,8 +4251,8 @@
         </p:nvSpPr>
         <p:spPr>
           <a:xfrm>
-            <a:off x="2085442" y="2690336"/>
-            <a:ext cx="3159815" cy="369332"/>
+            <a:off x="2085440" y="2644169"/>
+            <a:ext cx="3159815" cy="461665"/>
           </a:xfrm>
           <a:prstGeom prst="rect">
             <a:avLst/>
@@ -4196,7 +4268,7 @@
           <a:p>
             <a:pPr algn="ctr"/>
             <a:r>
-              <a:rPr lang="en-US" b="1" dirty="0">
+              <a:rPr lang="en-US" sz="2400" b="1" dirty="0">
                 <a:effectLst>
                   <a:glow rad="101600">
                     <a:schemeClr val="bg1">
@@ -4224,8 +4296,8 @@
         </p:nvSpPr>
         <p:spPr>
           <a:xfrm>
-            <a:off x="6701253" y="2413337"/>
-            <a:ext cx="3159815" cy="646331"/>
+            <a:off x="6148863" y="2044005"/>
+            <a:ext cx="4510086" cy="830997"/>
           </a:xfrm>
           <a:prstGeom prst="rect">
             <a:avLst/>
@@ -4241,7 +4313,7 @@
           <a:p>
             <a:pPr algn="ctr"/>
             <a:r>
-              <a:rPr lang="en-US" b="1" dirty="0">
+              <a:rPr lang="en-US" sz="2400" b="1" dirty="0">
                 <a:effectLst>
                   <a:glow rad="101600">
                     <a:schemeClr val="bg1">
@@ -4270,14 +4342,14 @@
         <p:spPr>
           <a:xfrm>
             <a:off x="2664369" y="3212570"/>
-            <a:ext cx="2001958" cy="923330"/>
+            <a:ext cx="2001958" cy="1569660"/>
           </a:xfrm>
           <a:prstGeom prst="rect">
             <a:avLst/>
           </a:prstGeom>
         </p:spPr>
         <p:txBody>
-          <a:bodyPr wrap="none">
+          <a:bodyPr wrap="square">
             <a:spAutoFit/>
           </a:bodyPr>
           <a:lstStyle/>
@@ -4287,7 +4359,7 @@
               <a:buChar char="•"/>
             </a:pPr>
             <a:r>
-              <a:rPr lang="en-US" b="1" dirty="0">
+              <a:rPr lang="en-US" sz="2400" b="1" dirty="0">
                 <a:effectLst>
                   <a:glow rad="101600">
                     <a:schemeClr val="bg1">
@@ -4305,7 +4377,7 @@
               <a:buChar char="•"/>
             </a:pPr>
             <a:r>
-              <a:rPr lang="en-US" b="1" dirty="0">
+              <a:rPr lang="en-US" sz="2400" b="1" dirty="0">
                 <a:effectLst>
                   <a:glow rad="101600">
                     <a:schemeClr val="bg1">
@@ -4323,7 +4395,7 @@
               <a:buChar char="•"/>
             </a:pPr>
             <a:r>
-              <a:rPr lang="en-US" b="1" dirty="0">
+              <a:rPr lang="en-US" sz="2400" b="1" dirty="0">
                 <a:effectLst>
                   <a:glow rad="101600">
                     <a:schemeClr val="bg1">
@@ -4352,14 +4424,14 @@
         <p:spPr>
           <a:xfrm>
             <a:off x="6946744" y="3176921"/>
-            <a:ext cx="2914324" cy="1477328"/>
+            <a:ext cx="2914324" cy="2308324"/>
           </a:xfrm>
           <a:prstGeom prst="rect">
             <a:avLst/>
           </a:prstGeom>
         </p:spPr>
         <p:txBody>
-          <a:bodyPr wrap="none">
+          <a:bodyPr wrap="square">
             <a:spAutoFit/>
           </a:bodyPr>
           <a:lstStyle/>
@@ -4369,7 +4441,7 @@
               <a:buChar char="•"/>
             </a:pPr>
             <a:r>
-              <a:rPr lang="en-US" b="1" dirty="0">
+              <a:rPr lang="en-US" sz="2400" b="1" dirty="0">
                 <a:effectLst>
                   <a:glow rad="101600">
                     <a:schemeClr val="bg1">
@@ -4387,7 +4459,7 @@
               <a:buChar char="•"/>
             </a:pPr>
             <a:r>
-              <a:rPr lang="en-US" b="1" dirty="0">
+              <a:rPr lang="en-US" sz="2400" b="1" dirty="0">
                 <a:effectLst>
                   <a:glow rad="101600">
                     <a:schemeClr val="bg1">
@@ -4405,7 +4477,7 @@
               <a:buChar char="•"/>
             </a:pPr>
             <a:r>
-              <a:rPr lang="en-US" b="1" dirty="0">
+              <a:rPr lang="en-US" sz="2400" b="1" dirty="0">
                 <a:effectLst>
                   <a:glow rad="101600">
                     <a:schemeClr val="bg1">
@@ -4423,7 +4495,7 @@
               <a:buChar char="•"/>
             </a:pPr>
             <a:r>
-              <a:rPr lang="en-US" b="1" dirty="0">
+              <a:rPr lang="en-US" sz="2400" b="1" dirty="0">
                 <a:effectLst>
                   <a:glow rad="101600">
                     <a:schemeClr val="bg1">
@@ -4441,7 +4513,7 @@
               <a:buChar char="•"/>
             </a:pPr>
             <a:r>
-              <a:rPr lang="en-US" b="1" dirty="0">
+              <a:rPr lang="en-US" sz="2400" b="1" dirty="0">
                 <a:effectLst>
                   <a:glow rad="101600">
                     <a:schemeClr val="bg1">
@@ -4452,7 +4524,7 @@
               </a:rPr>
               <a:t>Household Demographics</a:t>
             </a:r>
-            <a:endParaRPr lang="en-US" dirty="0">
+            <a:endParaRPr lang="en-US" sz="2400" dirty="0">
               <a:effectLst>
                 <a:glow rad="101600">
                   <a:schemeClr val="bg1">
@@ -6072,7 +6144,7 @@
         <p:spPr>
           <a:xfrm>
             <a:off x="6913093" y="2228669"/>
-            <a:ext cx="3159815" cy="1200329"/>
+            <a:ext cx="4112716" cy="1569660"/>
           </a:xfrm>
           <a:prstGeom prst="rect">
             <a:avLst/>
@@ -6088,7 +6160,7 @@
           <a:p>
             <a:pPr algn="ctr"/>
             <a:r>
-              <a:rPr lang="en-US" b="1" dirty="0">
+              <a:rPr lang="en-US" sz="2400" b="1" dirty="0">
                 <a:effectLst>
                   <a:glow rad="101600">
                     <a:schemeClr val="bg1">
@@ -6102,7 +6174,7 @@
           </a:p>
           <a:p>
             <a:pPr algn="ctr"/>
-            <a:endParaRPr lang="en-US" b="1" dirty="0">
+            <a:endParaRPr lang="en-US" sz="2400" b="1" dirty="0">
               <a:effectLst>
                 <a:glow rad="101600">
                   <a:schemeClr val="bg1">
@@ -6115,7 +6187,7 @@
           <a:p>
             <a:pPr algn="ctr"/>
             <a:r>
-              <a:rPr lang="en-US" b="1" dirty="0">
+              <a:rPr lang="en-US" sz="2400" b="1" dirty="0">
                 <a:effectLst>
                   <a:glow rad="101600">
                     <a:schemeClr val="bg1">
@@ -6143,8 +6215,8 @@
         </p:nvSpPr>
         <p:spPr>
           <a:xfrm>
-            <a:off x="1537062" y="2228670"/>
-            <a:ext cx="4558937" cy="1200329"/>
+            <a:off x="1166191" y="2228669"/>
+            <a:ext cx="4558937" cy="1569660"/>
           </a:xfrm>
           <a:prstGeom prst="rect">
             <a:avLst/>
@@ -6158,7 +6230,7 @@
           <a:p>
             <a:pPr algn="ctr"/>
             <a:r>
-              <a:rPr lang="en-US" b="1" dirty="0">
+              <a:rPr lang="en-US" sz="2400" b="1" dirty="0">
                 <a:effectLst>
                   <a:glow rad="101600">
                     <a:schemeClr val="bg1">
@@ -6173,7 +6245,7 @@
           <a:p>
             <a:pPr algn="ctr"/>
             <a:r>
-              <a:rPr lang="en-US" b="1" dirty="0">
+              <a:rPr lang="en-US" sz="2400" b="1" dirty="0">
                 <a:effectLst>
                   <a:glow rad="101600">
                     <a:schemeClr val="bg1">
@@ -6187,7 +6259,7 @@
           </a:p>
           <a:p>
             <a:pPr algn="ctr"/>
-            <a:endParaRPr lang="en-US" b="1" dirty="0">
+            <a:endParaRPr lang="en-US" sz="2400" b="1" dirty="0">
               <a:effectLst>
                 <a:glow rad="101600">
                   <a:schemeClr val="bg1">
@@ -6200,7 +6272,7 @@
           <a:p>
             <a:pPr algn="ctr"/>
             <a:r>
-              <a:rPr lang="en-US" b="1" dirty="0">
+              <a:rPr lang="en-US" sz="2400" b="1" dirty="0">
                 <a:effectLst>
                   <a:glow rad="101600">
                     <a:schemeClr val="bg1">

--- a/presentation.pptx
+++ b/presentation.pptx
@@ -3160,8 +3160,8 @@
         </p:nvSpPr>
         <p:spPr>
           <a:xfrm>
-            <a:off x="2074316" y="2287476"/>
-            <a:ext cx="8045023" cy="400110"/>
+            <a:off x="2112308" y="2287476"/>
+            <a:ext cx="7969041" cy="400110"/>
           </a:xfrm>
           <a:prstGeom prst="rect">
             <a:avLst/>
@@ -3183,7 +3183,7 @@
                   </a:schemeClr>
                 </a:solidFill>
               </a:rPr>
-              <a:t>Exploring possible relationships between traffic, pollution, asthma, poverty </a:t>
+              <a:t>Exploring possible relationships between traffic, pollution, poverty, asthma</a:t>
             </a:r>
           </a:p>
         </p:txBody>
@@ -4341,8 +4341,8 @@
         </p:nvSpPr>
         <p:spPr>
           <a:xfrm>
-            <a:off x="2664369" y="3212570"/>
-            <a:ext cx="2001958" cy="1569660"/>
+            <a:off x="2558352" y="3212570"/>
+            <a:ext cx="2676257" cy="1200329"/>
           </a:xfrm>
           <a:prstGeom prst="rect">
             <a:avLst/>

--- a/presentation.pptx
+++ b/presentation.pptx
@@ -4712,7 +4712,7 @@
           <p:nvPr>
             <p:extLst>
               <p:ext uri="{D42A27DB-BD31-4B8C-83A1-F6EECF244321}">
-                <p14:modId xmlns:p14="http://schemas.microsoft.com/office/powerpoint/2010/main" val="4099205918"/>
+                <p14:modId xmlns:p14="http://schemas.microsoft.com/office/powerpoint/2010/main" val="650143416"/>
               </p:ext>
             </p:extLst>
           </p:nvPr>
@@ -4877,7 +4877,7 @@
                       <a:pPr algn="ctr"/>
                       <a:r>
                         <a:rPr lang="en-US" sz="1600" dirty="0"/>
-                        <a:t>(LAID) v3.0</a:t>
+                        <a:t>(LAI) v3.0</a:t>
                       </a:r>
                     </a:p>
                   </a:txBody>
@@ -5562,7 +5562,7 @@
                   </a:glow>
                 </a:effectLst>
               </a:rPr>
-              <a:t>Download csv datasets</a:t>
+              <a:t>CSV datasets from CES and LAI reports</a:t>
             </a:r>
           </a:p>
           <a:p>
@@ -5787,6 +5787,84 @@
   <p:clrMapOvr>
     <a:masterClrMapping/>
   </p:clrMapOvr>
+  <p:timing>
+    <p:tnLst>
+      <p:par>
+        <p:cTn id="1" dur="indefinite" restart="never" nodeType="tmRoot">
+          <p:childTnLst>
+            <p:seq concurrent="1" nextAc="seek">
+              <p:cTn id="2" dur="indefinite" nodeType="mainSeq">
+                <p:childTnLst>
+                  <p:par>
+                    <p:cTn id="3" fill="hold">
+                      <p:stCondLst>
+                        <p:cond delay="indefinite"/>
+                      </p:stCondLst>
+                      <p:childTnLst>
+                        <p:par>
+                          <p:cTn id="4" fill="hold">
+                            <p:stCondLst>
+                              <p:cond delay="0"/>
+                            </p:stCondLst>
+                            <p:childTnLst>
+                              <p:par>
+                                <p:cTn id="5" presetID="1" presetClass="entr" presetSubtype="0" fill="hold" grpId="0" nodeType="clickEffect">
+                                  <p:stCondLst>
+                                    <p:cond delay="0"/>
+                                  </p:stCondLst>
+                                  <p:childTnLst>
+                                    <p:set>
+                                      <p:cBhvr>
+                                        <p:cTn id="6" dur="1" fill="hold">
+                                          <p:stCondLst>
+                                            <p:cond delay="0"/>
+                                          </p:stCondLst>
+                                        </p:cTn>
+                                        <p:tgtEl>
+                                          <p:spTgt spid="3"/>
+                                        </p:tgtEl>
+                                        <p:attrNameLst>
+                                          <p:attrName>style.visibility</p:attrName>
+                                        </p:attrNameLst>
+                                      </p:cBhvr>
+                                      <p:to>
+                                        <p:strVal val="visible"/>
+                                      </p:to>
+                                    </p:set>
+                                  </p:childTnLst>
+                                </p:cTn>
+                              </p:par>
+                            </p:childTnLst>
+                          </p:cTn>
+                        </p:par>
+                      </p:childTnLst>
+                    </p:cTn>
+                  </p:par>
+                </p:childTnLst>
+              </p:cTn>
+              <p:prevCondLst>
+                <p:cond evt="onPrev" delay="0">
+                  <p:tgtEl>
+                    <p:sldTgt/>
+                  </p:tgtEl>
+                </p:cond>
+              </p:prevCondLst>
+              <p:nextCondLst>
+                <p:cond evt="onNext" delay="0">
+                  <p:tgtEl>
+                    <p:sldTgt/>
+                  </p:tgtEl>
+                </p:cond>
+              </p:nextCondLst>
+            </p:seq>
+          </p:childTnLst>
+        </p:cTn>
+      </p:par>
+    </p:tnLst>
+    <p:bldLst>
+      <p:bldP spid="3" grpId="0"/>
+    </p:bldLst>
+  </p:timing>
 </p:sld>
 </file>
 
